--- a/docs/AIAED_technical_tracks_template.pptx
+++ b/docs/AIAED_technical_tracks_template.pptx
@@ -5,22 +5,23 @@
     <p:sldMasterId id="2147483648" r:id="rId1"/>
   </p:sldMasterIdLst>
   <p:notesMasterIdLst>
-    <p:notesMasterId r:id="rId12"/>
+    <p:notesMasterId r:id="rId13"/>
   </p:notesMasterIdLst>
   <p:handoutMasterIdLst>
-    <p:handoutMasterId r:id="rId13"/>
+    <p:handoutMasterId r:id="rId14"/>
   </p:handoutMasterIdLst>
   <p:sldIdLst>
     <p:sldId id="262" r:id="rId2"/>
-    <p:sldId id="269" r:id="rId3"/>
-    <p:sldId id="271" r:id="rId4"/>
-    <p:sldId id="268" r:id="rId5"/>
-    <p:sldId id="270" r:id="rId6"/>
-    <p:sldId id="273" r:id="rId7"/>
-    <p:sldId id="274" r:id="rId8"/>
-    <p:sldId id="275" r:id="rId9"/>
-    <p:sldId id="261" r:id="rId10"/>
-    <p:sldId id="263" r:id="rId11"/>
+    <p:sldId id="276" r:id="rId3"/>
+    <p:sldId id="269" r:id="rId4"/>
+    <p:sldId id="271" r:id="rId5"/>
+    <p:sldId id="268" r:id="rId6"/>
+    <p:sldId id="270" r:id="rId7"/>
+    <p:sldId id="273" r:id="rId8"/>
+    <p:sldId id="274" r:id="rId9"/>
+    <p:sldId id="275" r:id="rId10"/>
+    <p:sldId id="261" r:id="rId11"/>
+    <p:sldId id="263" r:id="rId12"/>
   </p:sldIdLst>
   <p:sldSz cx="9144000" cy="6858000" type="screen4x3"/>
   <p:notesSz cx="6858000" cy="9144000"/>
@@ -701,6 +702,163 @@
 </file>
 
 <file path=ppt/slideLayouts/slideLayout2.xml><?xml version="1.0" encoding="utf-8"?>
+<p:sldLayout xmlns:a="http://schemas.openxmlformats.org/drawingml/2006/main" xmlns:r="http://schemas.openxmlformats.org/officeDocument/2006/relationships" xmlns:p="http://schemas.openxmlformats.org/presentationml/2006/main" type="title" preserve="1">
+  <p:cSld name="1_标题幻灯片">
+    <p:spTree>
+      <p:nvGrpSpPr>
+        <p:cNvPr id="1" name=""/>
+        <p:cNvGrpSpPr/>
+        <p:nvPr/>
+      </p:nvGrpSpPr>
+      <p:grpSpPr>
+        <a:xfrm>
+          <a:off x="0" y="0"/>
+          <a:ext cx="0" cy="0"/>
+          <a:chOff x="0" y="0"/>
+          <a:chExt cx="0" cy="0"/>
+        </a:xfrm>
+      </p:grpSpPr>
+      <p:pic>
+        <p:nvPicPr>
+          <p:cNvPr id="7" name="图片 6"/>
+          <p:cNvPicPr>
+            <a:picLocks noChangeAspect="1"/>
+          </p:cNvPicPr>
+          <p:nvPr userDrawn="1"/>
+        </p:nvPicPr>
+        <p:blipFill>
+          <a:blip r:embed="rId2" cstate="print">
+            <a:extLst>
+              <a:ext uri="{28A0092B-C50C-407E-A947-70E740481C1C}">
+                <a14:useLocalDpi xmlns:a14="http://schemas.microsoft.com/office/drawing/2010/main" val="0"/>
+              </a:ext>
+            </a:extLst>
+          </a:blip>
+          <a:stretch>
+            <a:fillRect/>
+          </a:stretch>
+        </p:blipFill>
+        <p:spPr>
+          <a:xfrm>
+            <a:off x="0" y="0"/>
+            <a:ext cx="9141858" cy="6858000"/>
+          </a:xfrm>
+          <a:prstGeom prst="rect">
+            <a:avLst/>
+          </a:prstGeom>
+        </p:spPr>
+      </p:pic>
+      <p:sp>
+        <p:nvSpPr>
+          <p:cNvPr id="2" name="标题 1"/>
+          <p:cNvSpPr>
+            <a:spLocks noGrp="1"/>
+          </p:cNvSpPr>
+          <p:nvPr>
+            <p:ph type="ctrTitle" hasCustomPrompt="1"/>
+          </p:nvPr>
+        </p:nvSpPr>
+        <p:spPr>
+          <a:xfrm>
+            <a:off x="1143000" y="1122363"/>
+            <a:ext cx="6858000" cy="2387600"/>
+          </a:xfrm>
+        </p:spPr>
+        <p:txBody>
+          <a:bodyPr anchor="b"/>
+          <a:lstStyle>
+            <a:lvl1pPr algn="ctr">
+              <a:defRPr sz="6000"/>
+            </a:lvl1pPr>
+          </a:lstStyle>
+          <a:p>
+            <a:r>
+              <a:rPr kumimoji="1" lang="en-US" altLang="zh-CN" dirty="0"/>
+              <a:t>Talk title</a:t>
+            </a:r>
+            <a:endParaRPr kumimoji="1" lang="zh-CN" altLang="en-US" dirty="0"/>
+          </a:p>
+        </p:txBody>
+      </p:sp>
+      <p:sp>
+        <p:nvSpPr>
+          <p:cNvPr id="3" name="副标题 2"/>
+          <p:cNvSpPr>
+            <a:spLocks noGrp="1"/>
+          </p:cNvSpPr>
+          <p:nvPr>
+            <p:ph type="subTitle" idx="1" hasCustomPrompt="1"/>
+          </p:nvPr>
+        </p:nvSpPr>
+        <p:spPr>
+          <a:xfrm>
+            <a:off x="1143000" y="3602038"/>
+            <a:ext cx="6858000" cy="1655762"/>
+          </a:xfrm>
+        </p:spPr>
+        <p:txBody>
+          <a:bodyPr/>
+          <a:lstStyle>
+            <a:lvl1pPr marL="0" indent="0" algn="ctr">
+              <a:buNone/>
+              <a:defRPr sz="2400"/>
+            </a:lvl1pPr>
+            <a:lvl2pPr marL="457200" indent="0" algn="ctr">
+              <a:buNone/>
+              <a:defRPr sz="2000"/>
+            </a:lvl2pPr>
+            <a:lvl3pPr marL="914400" indent="0" algn="ctr">
+              <a:buNone/>
+              <a:defRPr sz="1800"/>
+            </a:lvl3pPr>
+            <a:lvl4pPr marL="1371600" indent="0" algn="ctr">
+              <a:buNone/>
+              <a:defRPr sz="1600"/>
+            </a:lvl4pPr>
+            <a:lvl5pPr marL="1828800" indent="0" algn="ctr">
+              <a:buNone/>
+              <a:defRPr sz="1600"/>
+            </a:lvl5pPr>
+            <a:lvl6pPr marL="2286000" indent="0" algn="ctr">
+              <a:buNone/>
+              <a:defRPr sz="1600"/>
+            </a:lvl6pPr>
+            <a:lvl7pPr marL="2743200" indent="0" algn="ctr">
+              <a:buNone/>
+              <a:defRPr sz="1600"/>
+            </a:lvl7pPr>
+            <a:lvl8pPr marL="3200400" indent="0" algn="ctr">
+              <a:buNone/>
+              <a:defRPr sz="1600"/>
+            </a:lvl8pPr>
+            <a:lvl9pPr marL="3657600" indent="0" algn="ctr">
+              <a:buNone/>
+              <a:defRPr sz="1600"/>
+            </a:lvl9pPr>
+          </a:lstStyle>
+          <a:p>
+            <a:r>
+              <a:rPr kumimoji="1" lang="en-US" altLang="zh-CN" dirty="0"/>
+              <a:t>Authors</a:t>
+            </a:r>
+            <a:endParaRPr kumimoji="1" lang="zh-CN" altLang="en-US" dirty="0"/>
+          </a:p>
+        </p:txBody>
+      </p:sp>
+    </p:spTree>
+    <p:extLst>
+      <p:ext uri="{BB962C8B-B14F-4D97-AF65-F5344CB8AC3E}">
+        <p14:creationId xmlns:p14="http://schemas.microsoft.com/office/powerpoint/2010/main" val="2208677423"/>
+      </p:ext>
+    </p:extLst>
+  </p:cSld>
+  <p:clrMapOvr>
+    <a:masterClrMapping/>
+  </p:clrMapOvr>
+</p:sldLayout>
+</file>
+
+<file path=ppt/slideLayouts/slideLayout3.xml><?xml version="1.0" encoding="utf-8"?>
 <p:sldLayout xmlns:a="http://schemas.openxmlformats.org/drawingml/2006/main" xmlns:r="http://schemas.openxmlformats.org/officeDocument/2006/relationships" xmlns:p="http://schemas.openxmlformats.org/presentationml/2006/main" preserve="1" userDrawn="1">
   <p:cSld name="标题幻灯片">
     <p:spTree>
@@ -945,7 +1103,7 @@
 </p:sldLayout>
 </file>
 
-<file path=ppt/slideLayouts/slideLayout3.xml><?xml version="1.0" encoding="utf-8"?>
+<file path=ppt/slideLayouts/slideLayout4.xml><?xml version="1.0" encoding="utf-8"?>
 <p:sldLayout xmlns:a="http://schemas.openxmlformats.org/drawingml/2006/main" xmlns:r="http://schemas.openxmlformats.org/officeDocument/2006/relationships" xmlns:p="http://schemas.openxmlformats.org/presentationml/2006/main" preserve="1" userDrawn="1">
   <p:cSld name="9_空白">
     <p:spTree>
@@ -1148,7 +1306,7 @@
 </p:sldLayout>
 </file>
 
-<file path=ppt/slideLayouts/slideLayout4.xml><?xml version="1.0" encoding="utf-8"?>
+<file path=ppt/slideLayouts/slideLayout5.xml><?xml version="1.0" encoding="utf-8"?>
 <p:sldLayout xmlns:a="http://schemas.openxmlformats.org/drawingml/2006/main" xmlns:r="http://schemas.openxmlformats.org/officeDocument/2006/relationships" xmlns:p="http://schemas.openxmlformats.org/presentationml/2006/main" preserve="1" userDrawn="1">
   <p:cSld name="8_空白">
     <p:bg>
@@ -1356,7 +1514,7 @@
 </p:sldLayout>
 </file>
 
-<file path=ppt/slideLayouts/slideLayout5.xml><?xml version="1.0" encoding="utf-8"?>
+<file path=ppt/slideLayouts/slideLayout6.xml><?xml version="1.0" encoding="utf-8"?>
 <p:sldLayout xmlns:a="http://schemas.openxmlformats.org/drawingml/2006/main" xmlns:r="http://schemas.openxmlformats.org/officeDocument/2006/relationships" xmlns:p="http://schemas.openxmlformats.org/presentationml/2006/main" preserve="1" userDrawn="1">
   <p:cSld name="7_空白">
     <p:bg>
@@ -1623,7 +1781,7 @@
 </p:sldLayout>
 </file>
 
-<file path=ppt/slideLayouts/slideLayout6.xml><?xml version="1.0" encoding="utf-8"?>
+<file path=ppt/slideLayouts/slideLayout7.xml><?xml version="1.0" encoding="utf-8"?>
 <p:sldLayout xmlns:a="http://schemas.openxmlformats.org/drawingml/2006/main" xmlns:r="http://schemas.openxmlformats.org/officeDocument/2006/relationships" xmlns:p="http://schemas.openxmlformats.org/presentationml/2006/main" type="blank" preserve="1">
   <p:cSld name="4_空白">
     <p:spTree>
@@ -1678,7 +1836,7 @@
 </p:sldLayout>
 </file>
 
-<file path=ppt/slideLayouts/slideLayout7.xml><?xml version="1.0" encoding="utf-8"?>
+<file path=ppt/slideLayouts/slideLayout8.xml><?xml version="1.0" encoding="utf-8"?>
 <p:sldLayout xmlns:a="http://schemas.openxmlformats.org/drawingml/2006/main" xmlns:r="http://schemas.openxmlformats.org/officeDocument/2006/relationships" xmlns:p="http://schemas.openxmlformats.org/presentationml/2006/main" preserve="1" userDrawn="1">
   <p:cSld name="自定义版式">
     <p:spTree>
@@ -3098,12 +3256,13 @@
   <p:clrMap bg1="lt1" tx1="dk1" bg2="lt2" tx2="dk2" accent1="accent1" accent2="accent2" accent3="accent3" accent4="accent4" accent5="accent5" accent6="accent6" hlink="hlink" folHlink="folHlink"/>
   <p:sldLayoutIdLst>
     <p:sldLayoutId id="2147483649" r:id="rId1"/>
-    <p:sldLayoutId id="2147483650" r:id="rId2"/>
-    <p:sldLayoutId id="2147483666" r:id="rId3"/>
-    <p:sldLayoutId id="2147483667" r:id="rId4"/>
-    <p:sldLayoutId id="2147483664" r:id="rId5"/>
-    <p:sldLayoutId id="2147483653" r:id="rId6"/>
-    <p:sldLayoutId id="2147483654" r:id="rId7"/>
+    <p:sldLayoutId id="2147483668" r:id="rId2"/>
+    <p:sldLayoutId id="2147483650" r:id="rId3"/>
+    <p:sldLayoutId id="2147483666" r:id="rId4"/>
+    <p:sldLayoutId id="2147483667" r:id="rId5"/>
+    <p:sldLayoutId id="2147483664" r:id="rId6"/>
+    <p:sldLayoutId id="2147483653" r:id="rId7"/>
+    <p:sldLayoutId id="2147483654" r:id="rId8"/>
   </p:sldLayoutIdLst>
   <p:txStyles>
     <p:titleStyle>
@@ -3414,7 +3573,7 @@
         <p:spPr>
           <a:xfrm>
             <a:off x="2260582" y="276190"/>
-            <a:ext cx="4803884" cy="2031325"/>
+            <a:ext cx="4803884" cy="1200329"/>
           </a:xfrm>
           <a:prstGeom prst="rect">
             <a:avLst/>
@@ -3441,7 +3600,7 @@
                 <a:ea typeface="微软雅黑" panose="020B0503020204020204" charset="-122"/>
                 <a:sym typeface="+mn-ea"/>
               </a:rPr>
-              <a:t>This is a cover slide to give you the correct dimensions to use. You can add a title and turn it into a title slide or just create your own title slide with the same dimensions. This red text is NOT part of the template, please delete this from your actual </a:t>
+              <a:t>This is a cover slide to give you the correct dimensions to use. This red text is NOT part of the template, please delete this from your actual </a:t>
             </a:r>
             <a:r>
               <a:rPr lang="en-US" altLang="zh-CN" dirty="0" err="1">
@@ -3482,6 +3641,225 @@
 </file>
 
 <file path=ppt/slides/slide10.xml><?xml version="1.0" encoding="utf-8"?>
+<p:sld xmlns:a="http://schemas.openxmlformats.org/drawingml/2006/main" xmlns:r="http://schemas.openxmlformats.org/officeDocument/2006/relationships" xmlns:p="http://schemas.openxmlformats.org/presentationml/2006/main">
+  <p:cSld>
+    <p:spTree>
+      <p:nvGrpSpPr>
+        <p:cNvPr id="1" name=""/>
+        <p:cNvGrpSpPr/>
+        <p:nvPr/>
+      </p:nvGrpSpPr>
+      <p:grpSpPr>
+        <a:xfrm>
+          <a:off x="0" y="0"/>
+          <a:ext cx="0" cy="0"/>
+          <a:chOff x="0" y="0"/>
+          <a:chExt cx="0" cy="0"/>
+        </a:xfrm>
+      </p:grpSpPr>
+      <p:sp>
+        <p:nvSpPr>
+          <p:cNvPr id="2" name="文本框 1"/>
+          <p:cNvSpPr txBox="1"/>
+          <p:nvPr/>
+        </p:nvSpPr>
+        <p:spPr>
+          <a:xfrm>
+            <a:off x="1853916" y="142790"/>
+            <a:ext cx="6291602" cy="2031325"/>
+          </a:xfrm>
+          <a:prstGeom prst="rect">
+            <a:avLst/>
+          </a:prstGeom>
+          <a:noFill/>
+        </p:spPr>
+        <p:txBody>
+          <a:bodyPr wrap="square" rtlCol="0" anchor="t">
+            <a:spAutoFit/>
+          </a:bodyPr>
+          <a:lstStyle/>
+          <a:p>
+            <a:r>
+              <a:rPr lang="en-US" altLang="zh-CN" dirty="0">
+                <a:solidFill>
+                  <a:srgbClr val="FF0000"/>
+                </a:solidFill>
+                <a:latin typeface="微软雅黑" panose="020B0503020204020204" charset="-122"/>
+                <a:ea typeface="微软雅黑" panose="020B0503020204020204" charset="-122"/>
+                <a:sym typeface="+mn-ea"/>
+              </a:rPr>
+              <a:t>This is the back</a:t>
+            </a:r>
+            <a:r>
+              <a:rPr lang="zh-CN" altLang="en-US" dirty="0">
+                <a:solidFill>
+                  <a:srgbClr val="FF0000"/>
+                </a:solidFill>
+                <a:latin typeface="微软雅黑" panose="020B0503020204020204" charset="-122"/>
+                <a:ea typeface="微软雅黑" panose="020B0503020204020204" charset="-122"/>
+                <a:sym typeface="+mn-ea"/>
+              </a:rPr>
+              <a:t> </a:t>
+            </a:r>
+            <a:r>
+              <a:rPr lang="en-US" altLang="zh-CN" dirty="0">
+                <a:solidFill>
+                  <a:srgbClr val="FF0000"/>
+                </a:solidFill>
+                <a:latin typeface="微软雅黑" panose="020B0503020204020204" charset="-122"/>
+                <a:ea typeface="微软雅黑" panose="020B0503020204020204" charset="-122"/>
+                <a:sym typeface="+mn-ea"/>
+              </a:rPr>
+              <a:t>cover page, which can be used as is or you can create your own back cover. </a:t>
+            </a:r>
+          </a:p>
+          <a:p>
+            <a:endParaRPr lang="en-US" altLang="zh-CN" dirty="0">
+              <a:solidFill>
+                <a:srgbClr val="FF0000"/>
+              </a:solidFill>
+              <a:latin typeface="微软雅黑" panose="020B0503020204020204" charset="-122"/>
+              <a:ea typeface="微软雅黑" panose="020B0503020204020204" charset="-122"/>
+              <a:sym typeface="+mn-ea"/>
+            </a:endParaRPr>
+          </a:p>
+          <a:p>
+            <a:r>
+              <a:rPr lang="en-US" altLang="zh-CN" dirty="0">
+                <a:solidFill>
+                  <a:srgbClr val="FF0000"/>
+                </a:solidFill>
+                <a:latin typeface="微软雅黑" panose="020B0503020204020204" charset="-122"/>
+                <a:ea typeface="微软雅黑" panose="020B0503020204020204" charset="-122"/>
+                <a:sym typeface="+mn-ea"/>
+              </a:rPr>
+              <a:t>We suggest you mention acknowledgement of funding support, etc. here.</a:t>
+            </a:r>
+            <a:endParaRPr lang="zh-CN" altLang="en-US" dirty="0"/>
+          </a:p>
+          <a:p>
+            <a:endParaRPr lang="en-US" altLang="zh-CN" dirty="0">
+              <a:solidFill>
+                <a:srgbClr val="FF0000"/>
+              </a:solidFill>
+              <a:latin typeface="微软雅黑" panose="020B0503020204020204" charset="-122"/>
+              <a:ea typeface="微软雅黑" panose="020B0503020204020204" charset="-122"/>
+              <a:sym typeface="+mn-ea"/>
+            </a:endParaRPr>
+          </a:p>
+          <a:p>
+            <a:r>
+              <a:rPr lang="en-US" altLang="zh-CN" dirty="0">
+                <a:solidFill>
+                  <a:srgbClr val="FF0000"/>
+                </a:solidFill>
+                <a:latin typeface="微软雅黑" panose="020B0503020204020204" charset="-122"/>
+                <a:ea typeface="微软雅黑" panose="020B0503020204020204" charset="-122"/>
+                <a:sym typeface="+mn-ea"/>
+              </a:rPr>
+              <a:t>Please delete this red text</a:t>
+            </a:r>
+            <a:r>
+              <a:rPr lang="zh-CN" altLang="en-US" dirty="0">
+                <a:solidFill>
+                  <a:srgbClr val="FF0000"/>
+                </a:solidFill>
+                <a:latin typeface="微软雅黑" panose="020B0503020204020204" charset="-122"/>
+                <a:ea typeface="微软雅黑" panose="020B0503020204020204" charset="-122"/>
+                <a:sym typeface="+mn-ea"/>
+              </a:rPr>
+              <a:t> </a:t>
+            </a:r>
+            <a:r>
+              <a:rPr lang="en-US" altLang="zh-CN" dirty="0">
+                <a:solidFill>
+                  <a:srgbClr val="FF0000"/>
+                </a:solidFill>
+                <a:latin typeface="微软雅黑" panose="020B0503020204020204" charset="-122"/>
+                <a:ea typeface="微软雅黑" panose="020B0503020204020204" charset="-122"/>
+                <a:sym typeface="+mn-ea"/>
+              </a:rPr>
+              <a:t>in</a:t>
+            </a:r>
+            <a:r>
+              <a:rPr lang="zh-CN" altLang="en-US" dirty="0">
+                <a:solidFill>
+                  <a:srgbClr val="FF0000"/>
+                </a:solidFill>
+                <a:latin typeface="微软雅黑" panose="020B0503020204020204" charset="-122"/>
+                <a:ea typeface="微软雅黑" panose="020B0503020204020204" charset="-122"/>
+                <a:sym typeface="+mn-ea"/>
+              </a:rPr>
+              <a:t> </a:t>
+            </a:r>
+            <a:r>
+              <a:rPr lang="en-US" altLang="zh-CN" dirty="0">
+                <a:solidFill>
+                  <a:srgbClr val="FF0000"/>
+                </a:solidFill>
+                <a:latin typeface="微软雅黑" panose="020B0503020204020204" charset="-122"/>
+                <a:ea typeface="微软雅黑" panose="020B0503020204020204" charset="-122"/>
+                <a:sym typeface="+mn-ea"/>
+              </a:rPr>
+              <a:t>the</a:t>
+            </a:r>
+            <a:r>
+              <a:rPr lang="zh-CN" altLang="en-US" dirty="0">
+                <a:solidFill>
+                  <a:srgbClr val="FF0000"/>
+                </a:solidFill>
+                <a:latin typeface="微软雅黑" panose="020B0503020204020204" charset="-122"/>
+                <a:ea typeface="微软雅黑" panose="020B0503020204020204" charset="-122"/>
+                <a:sym typeface="+mn-ea"/>
+              </a:rPr>
+              <a:t> </a:t>
+            </a:r>
+            <a:r>
+              <a:rPr lang="en-US" altLang="zh-CN" dirty="0">
+                <a:solidFill>
+                  <a:srgbClr val="FF0000"/>
+                </a:solidFill>
+                <a:latin typeface="微软雅黑" panose="020B0503020204020204" charset="-122"/>
+                <a:ea typeface="微软雅黑" panose="020B0503020204020204" charset="-122"/>
+                <a:sym typeface="+mn-ea"/>
+              </a:rPr>
+              <a:t>actual</a:t>
+            </a:r>
+            <a:r>
+              <a:rPr lang="zh-CN" altLang="en-US" dirty="0">
+                <a:solidFill>
+                  <a:srgbClr val="FF0000"/>
+                </a:solidFill>
+                <a:latin typeface="微软雅黑" panose="020B0503020204020204" charset="-122"/>
+                <a:ea typeface="微软雅黑" panose="020B0503020204020204" charset="-122"/>
+                <a:sym typeface="+mn-ea"/>
+              </a:rPr>
+              <a:t> </a:t>
+            </a:r>
+            <a:r>
+              <a:rPr lang="en-US" altLang="zh-CN" dirty="0">
+                <a:solidFill>
+                  <a:srgbClr val="FF0000"/>
+                </a:solidFill>
+                <a:latin typeface="微软雅黑" panose="020B0503020204020204" charset="-122"/>
+                <a:ea typeface="微软雅黑" panose="020B0503020204020204" charset="-122"/>
+                <a:sym typeface="+mn-ea"/>
+              </a:rPr>
+              <a:t>presentation!</a:t>
+            </a:r>
+            <a:endParaRPr lang="zh-CN" altLang="en-US" dirty="0"/>
+          </a:p>
+        </p:txBody>
+      </p:sp>
+    </p:spTree>
+  </p:cSld>
+  <p:clrMapOvr>
+    <a:masterClrMapping/>
+  </p:clrMapOvr>
+</p:sld>
+</file>
+
+<file path=ppt/slides/slide11.xml><?xml version="1.0" encoding="utf-8"?>
 <p:sld xmlns:a="http://schemas.openxmlformats.org/drawingml/2006/main" xmlns:r="http://schemas.openxmlformats.org/officeDocument/2006/relationships" xmlns:p="http://schemas.openxmlformats.org/presentationml/2006/main" show="0">
   <p:cSld>
     <p:spTree>
@@ -3528,6 +3906,189 @@
           <p:cNvPr id="2" name="Title 1">
             <a:extLst>
               <a:ext uri="{FF2B5EF4-FFF2-40B4-BE49-F238E27FC236}">
+                <a16:creationId xmlns:a16="http://schemas.microsoft.com/office/drawing/2014/main" id="{28D6ECE6-35A5-CF45-BFC6-1CFFE164101F}"/>
+              </a:ext>
+            </a:extLst>
+          </p:cNvPr>
+          <p:cNvSpPr>
+            <a:spLocks noGrp="1"/>
+          </p:cNvSpPr>
+          <p:nvPr>
+            <p:ph type="ctrTitle"/>
+          </p:nvPr>
+        </p:nvSpPr>
+        <p:spPr/>
+        <p:txBody>
+          <a:bodyPr/>
+          <a:lstStyle/>
+          <a:p>
+            <a:r>
+              <a:rPr lang="en-US" dirty="0"/>
+              <a:t>Insert talk title</a:t>
+            </a:r>
+          </a:p>
+        </p:txBody>
+      </p:sp>
+      <p:sp>
+        <p:nvSpPr>
+          <p:cNvPr id="3" name="Subtitle 2">
+            <a:extLst>
+              <a:ext uri="{FF2B5EF4-FFF2-40B4-BE49-F238E27FC236}">
+                <a16:creationId xmlns:a16="http://schemas.microsoft.com/office/drawing/2014/main" id="{2D3E8F67-6678-DF47-A0F9-FD798AA00458}"/>
+              </a:ext>
+            </a:extLst>
+          </p:cNvPr>
+          <p:cNvSpPr>
+            <a:spLocks noGrp="1"/>
+          </p:cNvSpPr>
+          <p:nvPr>
+            <p:ph type="subTitle" idx="1"/>
+          </p:nvPr>
+        </p:nvSpPr>
+        <p:spPr/>
+        <p:txBody>
+          <a:bodyPr/>
+          <a:lstStyle/>
+          <a:p>
+            <a:r>
+              <a:rPr lang="en-US" dirty="0"/>
+              <a:t>Insert authors and affiliations</a:t>
+            </a:r>
+          </a:p>
+        </p:txBody>
+      </p:sp>
+      <p:sp>
+        <p:nvSpPr>
+          <p:cNvPr id="4" name="文本框 1">
+            <a:extLst>
+              <a:ext uri="{FF2B5EF4-FFF2-40B4-BE49-F238E27FC236}">
+                <a16:creationId xmlns:a16="http://schemas.microsoft.com/office/drawing/2014/main" id="{1EF93313-8EAC-C640-924E-357423541671}"/>
+              </a:ext>
+            </a:extLst>
+          </p:cNvPr>
+          <p:cNvSpPr txBox="1"/>
+          <p:nvPr/>
+        </p:nvSpPr>
+        <p:spPr>
+          <a:xfrm>
+            <a:off x="2260582" y="276190"/>
+            <a:ext cx="4803884" cy="1754326"/>
+          </a:xfrm>
+          <a:prstGeom prst="rect">
+            <a:avLst/>
+          </a:prstGeom>
+          <a:noFill/>
+          <a:ln>
+            <a:solidFill>
+              <a:srgbClr val="FF0000"/>
+            </a:solidFill>
+          </a:ln>
+        </p:spPr>
+        <p:txBody>
+          <a:bodyPr wrap="square" rtlCol="0" anchor="t">
+            <a:spAutoFit/>
+          </a:bodyPr>
+          <a:lstStyle/>
+          <a:p>
+            <a:r>
+              <a:rPr lang="en-US" altLang="zh-CN" dirty="0">
+                <a:solidFill>
+                  <a:srgbClr val="FF0000"/>
+                </a:solidFill>
+                <a:latin typeface="微软雅黑" panose="020B0503020204020204" charset="-122"/>
+                <a:ea typeface="微软雅黑" panose="020B0503020204020204" charset="-122"/>
+                <a:sym typeface="+mn-ea"/>
+              </a:rPr>
+              <a:t>This is a title slide. You can use it or create your own.</a:t>
+            </a:r>
+          </a:p>
+          <a:p>
+            <a:endParaRPr lang="en-US" altLang="zh-CN" dirty="0">
+              <a:solidFill>
+                <a:srgbClr val="FF0000"/>
+              </a:solidFill>
+              <a:latin typeface="微软雅黑" panose="020B0503020204020204" charset="-122"/>
+              <a:ea typeface="微软雅黑" panose="020B0503020204020204" charset="-122"/>
+              <a:sym typeface="+mn-ea"/>
+            </a:endParaRPr>
+          </a:p>
+          <a:p>
+            <a:r>
+              <a:rPr lang="en-US" altLang="zh-CN" dirty="0">
+                <a:solidFill>
+                  <a:srgbClr val="FF0000"/>
+                </a:solidFill>
+                <a:latin typeface="微软雅黑" panose="020B0503020204020204" charset="-122"/>
+                <a:ea typeface="微软雅黑" panose="020B0503020204020204" charset="-122"/>
+                <a:sym typeface="+mn-ea"/>
+              </a:rPr>
+              <a:t>This red text is NOT part of the template, please delete this from your actual </a:t>
+            </a:r>
+            <a:r>
+              <a:rPr lang="en-US" altLang="zh-CN" dirty="0" err="1">
+                <a:solidFill>
+                  <a:srgbClr val="FF0000"/>
+                </a:solidFill>
+                <a:latin typeface="微软雅黑" panose="020B0503020204020204" charset="-122"/>
+                <a:ea typeface="微软雅黑" panose="020B0503020204020204" charset="-122"/>
+                <a:sym typeface="+mn-ea"/>
+              </a:rPr>
+              <a:t>Powerpoint</a:t>
+            </a:r>
+            <a:r>
+              <a:rPr lang="en-US" altLang="zh-CN" dirty="0">
+                <a:solidFill>
+                  <a:srgbClr val="FF0000"/>
+                </a:solidFill>
+                <a:latin typeface="微软雅黑" panose="020B0503020204020204" charset="-122"/>
+                <a:ea typeface="微软雅黑" panose="020B0503020204020204" charset="-122"/>
+                <a:sym typeface="+mn-ea"/>
+              </a:rPr>
+              <a:t>!</a:t>
+            </a:r>
+            <a:endParaRPr lang="zh-CN" altLang="en-US" dirty="0">
+              <a:solidFill>
+                <a:srgbClr val="FF0000"/>
+              </a:solidFill>
+            </a:endParaRPr>
+          </a:p>
+        </p:txBody>
+      </p:sp>
+    </p:spTree>
+    <p:extLst>
+      <p:ext uri="{BB962C8B-B14F-4D97-AF65-F5344CB8AC3E}">
+        <p14:creationId xmlns:p14="http://schemas.microsoft.com/office/powerpoint/2010/main" val="3806458314"/>
+      </p:ext>
+    </p:extLst>
+  </p:cSld>
+  <p:clrMapOvr>
+    <a:masterClrMapping/>
+  </p:clrMapOvr>
+</p:sld>
+</file>
+
+<file path=ppt/slides/slide3.xml><?xml version="1.0" encoding="utf-8"?>
+<p:sld xmlns:a="http://schemas.openxmlformats.org/drawingml/2006/main" xmlns:r="http://schemas.openxmlformats.org/officeDocument/2006/relationships" xmlns:p="http://schemas.openxmlformats.org/presentationml/2006/main">
+  <p:cSld>
+    <p:spTree>
+      <p:nvGrpSpPr>
+        <p:cNvPr id="1" name=""/>
+        <p:cNvGrpSpPr/>
+        <p:nvPr/>
+      </p:nvGrpSpPr>
+      <p:grpSpPr>
+        <a:xfrm>
+          <a:off x="0" y="0"/>
+          <a:ext cx="0" cy="0"/>
+          <a:chOff x="0" y="0"/>
+          <a:chExt cx="0" cy="0"/>
+        </a:xfrm>
+      </p:grpSpPr>
+      <p:sp>
+        <p:nvSpPr>
+          <p:cNvPr id="2" name="Title 1">
+            <a:extLst>
+              <a:ext uri="{FF2B5EF4-FFF2-40B4-BE49-F238E27FC236}">
                 <a16:creationId xmlns:a16="http://schemas.microsoft.com/office/drawing/2014/main" id="{29E9BE6F-D0A1-D740-9045-054D527A0ACA}"/>
               </a:ext>
             </a:extLst>
@@ -3689,7 +4250,7 @@
 </p:sld>
 </file>
 
-<file path=ppt/slides/slide3.xml><?xml version="1.0" encoding="utf-8"?>
+<file path=ppt/slides/slide4.xml><?xml version="1.0" encoding="utf-8"?>
 <p:sld xmlns:a="http://schemas.openxmlformats.org/drawingml/2006/main" xmlns:r="http://schemas.openxmlformats.org/officeDocument/2006/relationships" xmlns:p="http://schemas.openxmlformats.org/presentationml/2006/main">
   <p:cSld>
     <p:spTree>
@@ -3848,7 +4409,7 @@
 </p:sld>
 </file>
 
-<file path=ppt/slides/slide4.xml><?xml version="1.0" encoding="utf-8"?>
+<file path=ppt/slides/slide5.xml><?xml version="1.0" encoding="utf-8"?>
 <p:sld xmlns:a="http://schemas.openxmlformats.org/drawingml/2006/main" xmlns:r="http://schemas.openxmlformats.org/officeDocument/2006/relationships" xmlns:p="http://schemas.openxmlformats.org/presentationml/2006/main">
   <p:cSld>
     <p:spTree>
@@ -3993,7 +4554,7 @@
 </p:sld>
 </file>
 
-<file path=ppt/slides/slide5.xml><?xml version="1.0" encoding="utf-8"?>
+<file path=ppt/slides/slide6.xml><?xml version="1.0" encoding="utf-8"?>
 <p:sld xmlns:a="http://schemas.openxmlformats.org/drawingml/2006/main" xmlns:r="http://schemas.openxmlformats.org/officeDocument/2006/relationships" xmlns:p="http://schemas.openxmlformats.org/presentationml/2006/main">
   <p:cSld>
     <p:spTree>
@@ -4097,98 +4658,6 @@
     <p:extLst>
       <p:ext uri="{BB962C8B-B14F-4D97-AF65-F5344CB8AC3E}">
         <p14:creationId xmlns:p14="http://schemas.microsoft.com/office/powerpoint/2010/main" val="717355689"/>
-      </p:ext>
-    </p:extLst>
-  </p:cSld>
-  <p:clrMapOvr>
-    <a:masterClrMapping/>
-  </p:clrMapOvr>
-</p:sld>
-</file>
-
-<file path=ppt/slides/slide6.xml><?xml version="1.0" encoding="utf-8"?>
-<p:sld xmlns:a="http://schemas.openxmlformats.org/drawingml/2006/main" xmlns:r="http://schemas.openxmlformats.org/officeDocument/2006/relationships" xmlns:p="http://schemas.openxmlformats.org/presentationml/2006/main">
-  <p:cSld>
-    <p:spTree>
-      <p:nvGrpSpPr>
-        <p:cNvPr id="1" name=""/>
-        <p:cNvGrpSpPr/>
-        <p:nvPr/>
-      </p:nvGrpSpPr>
-      <p:grpSpPr>
-        <a:xfrm>
-          <a:off x="0" y="0"/>
-          <a:ext cx="0" cy="0"/>
-          <a:chOff x="0" y="0"/>
-          <a:chExt cx="0" cy="0"/>
-        </a:xfrm>
-      </p:grpSpPr>
-      <p:sp>
-        <p:nvSpPr>
-          <p:cNvPr id="2" name="Content Placeholder 1">
-            <a:extLst>
-              <a:ext uri="{FF2B5EF4-FFF2-40B4-BE49-F238E27FC236}">
-                <a16:creationId xmlns:a16="http://schemas.microsoft.com/office/drawing/2014/main" id="{20E4FD6E-DE60-9D4A-802C-072D9603F613}"/>
-              </a:ext>
-            </a:extLst>
-          </p:cNvPr>
-          <p:cNvSpPr>
-            <a:spLocks noGrp="1"/>
-          </p:cNvSpPr>
-          <p:nvPr>
-            <p:ph sz="quarter" idx="13"/>
-          </p:nvPr>
-        </p:nvSpPr>
-        <p:spPr/>
-        <p:txBody>
-          <a:bodyPr/>
-          <a:lstStyle/>
-          <a:p>
-            <a:r>
-              <a:rPr lang="en-US" dirty="0"/>
-              <a:t>Have you applied your work to real world student learning, student data, or to the design/implementation of adaptive educational systems?</a:t>
-            </a:r>
-          </a:p>
-          <a:p>
-            <a:r>
-              <a:rPr lang="en-US" dirty="0"/>
-              <a:t>Does your work generalize to different systems and/or educational domains?</a:t>
-            </a:r>
-          </a:p>
-        </p:txBody>
-      </p:sp>
-      <p:sp>
-        <p:nvSpPr>
-          <p:cNvPr id="3" name="Title 2">
-            <a:extLst>
-              <a:ext uri="{FF2B5EF4-FFF2-40B4-BE49-F238E27FC236}">
-                <a16:creationId xmlns:a16="http://schemas.microsoft.com/office/drawing/2014/main" id="{B78711EE-0218-1F46-9869-EE43BF45AE47}"/>
-              </a:ext>
-            </a:extLst>
-          </p:cNvPr>
-          <p:cNvSpPr>
-            <a:spLocks noGrp="1"/>
-          </p:cNvSpPr>
-          <p:nvPr>
-            <p:ph type="title"/>
-          </p:nvPr>
-        </p:nvSpPr>
-        <p:spPr/>
-        <p:txBody>
-          <a:bodyPr/>
-          <a:lstStyle/>
-          <a:p>
-            <a:r>
-              <a:rPr lang="en-US" dirty="0"/>
-              <a:t>Real world application</a:t>
-            </a:r>
-          </a:p>
-        </p:txBody>
-      </p:sp>
-    </p:spTree>
-    <p:extLst>
-      <p:ext uri="{BB962C8B-B14F-4D97-AF65-F5344CB8AC3E}">
-        <p14:creationId xmlns:p14="http://schemas.microsoft.com/office/powerpoint/2010/main" val="3864166599"/>
       </p:ext>
     </p:extLst>
   </p:cSld>
@@ -4238,17 +4707,14 @@
           <a:p>
             <a:r>
               <a:rPr lang="en-US" dirty="0"/>
-              <a:t>Describe any evidence to support (or not support) hypothesized impact of your work to student learning or AI in adaptive education</a:t>
+              <a:t>Have you applied your work to real world student learning, student data, or to the design/implementation of adaptive educational systems?</a:t>
             </a:r>
           </a:p>
           <a:p>
             <a:r>
               <a:rPr lang="en-US" dirty="0"/>
-              <a:t>What are the lessons learned? What worked? what didn’t?</a:t>
-            </a:r>
-          </a:p>
-          <a:p>
-            <a:endParaRPr lang="en-US" dirty="0"/>
+              <a:t>Does your work generalize to different systems and/or educational domains?</a:t>
+            </a:r>
           </a:p>
         </p:txBody>
       </p:sp>
@@ -4270,14 +4736,12 @@
         </p:nvSpPr>
         <p:spPr/>
         <p:txBody>
-          <a:bodyPr>
-            <a:normAutofit/>
-          </a:bodyPr>
+          <a:bodyPr/>
           <a:lstStyle/>
           <a:p>
             <a:r>
               <a:rPr lang="en-US" dirty="0"/>
-              <a:t>Evidence of potential impact</a:t>
+              <a:t>Real world application</a:t>
             </a:r>
           </a:p>
         </p:txBody>
@@ -4285,7 +4749,7 @@
     </p:spTree>
     <p:extLst>
       <p:ext uri="{BB962C8B-B14F-4D97-AF65-F5344CB8AC3E}">
-        <p14:creationId xmlns:p14="http://schemas.microsoft.com/office/powerpoint/2010/main" val="649135057"/>
+        <p14:creationId xmlns:p14="http://schemas.microsoft.com/office/powerpoint/2010/main" val="3864166599"/>
       </p:ext>
     </p:extLst>
   </p:cSld>
@@ -4335,14 +4799,17 @@
           <a:p>
             <a:r>
               <a:rPr lang="en-US" dirty="0"/>
-              <a:t>Summarize your conclusion</a:t>
+              <a:t>Describe any evidence to support (or not support) hypothesized impact of your work to student learning or AI in adaptive education</a:t>
             </a:r>
           </a:p>
           <a:p>
             <a:r>
               <a:rPr lang="en-US" dirty="0"/>
-              <a:t>Thoughts to drive discussion </a:t>
-            </a:r>
+              <a:t>What are the lessons learned? What worked? what didn’t?</a:t>
+            </a:r>
+          </a:p>
+          <a:p>
+            <a:endParaRPr lang="en-US" dirty="0"/>
           </a:p>
         </p:txBody>
       </p:sp>
@@ -4364,12 +4831,14 @@
         </p:nvSpPr>
         <p:spPr/>
         <p:txBody>
-          <a:bodyPr/>
+          <a:bodyPr>
+            <a:normAutofit/>
+          </a:bodyPr>
           <a:lstStyle/>
           <a:p>
             <a:r>
               <a:rPr lang="en-US" dirty="0"/>
-              <a:t>Summary</a:t>
+              <a:t>Evidence of potential impact</a:t>
             </a:r>
           </a:p>
         </p:txBody>
@@ -4377,7 +4846,7 @@
     </p:spTree>
     <p:extLst>
       <p:ext uri="{BB962C8B-B14F-4D97-AF65-F5344CB8AC3E}">
-        <p14:creationId xmlns:p14="http://schemas.microsoft.com/office/powerpoint/2010/main" val="3680937543"/>
+        <p14:creationId xmlns:p14="http://schemas.microsoft.com/office/powerpoint/2010/main" val="649135057"/>
       </p:ext>
     </p:extLst>
   </p:cSld>
@@ -4406,196 +4875,72 @@
       </p:grpSpPr>
       <p:sp>
         <p:nvSpPr>
-          <p:cNvPr id="2" name="文本框 1"/>
-          <p:cNvSpPr txBox="1"/>
-          <p:nvPr/>
+          <p:cNvPr id="2" name="Content Placeholder 1">
+            <a:extLst>
+              <a:ext uri="{FF2B5EF4-FFF2-40B4-BE49-F238E27FC236}">
+                <a16:creationId xmlns:a16="http://schemas.microsoft.com/office/drawing/2014/main" id="{20E4FD6E-DE60-9D4A-802C-072D9603F613}"/>
+              </a:ext>
+            </a:extLst>
+          </p:cNvPr>
+          <p:cNvSpPr>
+            <a:spLocks noGrp="1"/>
+          </p:cNvSpPr>
+          <p:nvPr>
+            <p:ph sz="quarter" idx="13"/>
+          </p:nvPr>
         </p:nvSpPr>
-        <p:spPr>
-          <a:xfrm>
-            <a:off x="2574925" y="278130"/>
-            <a:ext cx="4420870" cy="1477328"/>
-          </a:xfrm>
-          <a:prstGeom prst="rect">
-            <a:avLst/>
-          </a:prstGeom>
-          <a:noFill/>
-        </p:spPr>
+        <p:spPr/>
         <p:txBody>
-          <a:bodyPr wrap="square" rtlCol="0" anchor="t">
-            <a:spAutoFit/>
-          </a:bodyPr>
+          <a:bodyPr/>
           <a:lstStyle/>
           <a:p>
             <a:r>
-              <a:rPr lang="en-US" altLang="zh-CN" dirty="0">
-                <a:solidFill>
-                  <a:srgbClr val="FF0000"/>
-                </a:solidFill>
-                <a:latin typeface="微软雅黑" panose="020B0503020204020204" charset="-122"/>
-                <a:ea typeface="微软雅黑" panose="020B0503020204020204" charset="-122"/>
-                <a:sym typeface="+mn-ea"/>
-              </a:rPr>
-              <a:t>This is the back</a:t>
-            </a:r>
-            <a:r>
-              <a:rPr lang="zh-CN" altLang="en-US" dirty="0">
-                <a:solidFill>
-                  <a:srgbClr val="FF0000"/>
-                </a:solidFill>
-                <a:latin typeface="微软雅黑" panose="020B0503020204020204" charset="-122"/>
-                <a:ea typeface="微软雅黑" panose="020B0503020204020204" charset="-122"/>
-                <a:sym typeface="+mn-ea"/>
-              </a:rPr>
-              <a:t> </a:t>
-            </a:r>
-            <a:r>
-              <a:rPr lang="en-US" altLang="zh-CN" dirty="0">
-                <a:solidFill>
-                  <a:srgbClr val="FF0000"/>
-                </a:solidFill>
-                <a:latin typeface="微软雅黑" panose="020B0503020204020204" charset="-122"/>
-                <a:ea typeface="微软雅黑" panose="020B0503020204020204" charset="-122"/>
-                <a:sym typeface="+mn-ea"/>
-              </a:rPr>
-              <a:t>cover page, which can be used as is or you can create your own back cover with</a:t>
-            </a:r>
-            <a:r>
-              <a:rPr lang="zh-CN" altLang="en-US" dirty="0">
-                <a:solidFill>
-                  <a:srgbClr val="FF0000"/>
-                </a:solidFill>
-                <a:latin typeface="微软雅黑" panose="020B0503020204020204" charset="-122"/>
-                <a:ea typeface="微软雅黑" panose="020B0503020204020204" charset="-122"/>
-                <a:sym typeface="+mn-ea"/>
-              </a:rPr>
-              <a:t> </a:t>
-            </a:r>
-            <a:r>
-              <a:rPr lang="en-US" altLang="zh-CN" dirty="0">
-                <a:solidFill>
-                  <a:srgbClr val="FF0000"/>
-                </a:solidFill>
-                <a:latin typeface="微软雅黑" panose="020B0503020204020204" charset="-122"/>
-                <a:ea typeface="微软雅黑" panose="020B0503020204020204" charset="-122"/>
-                <a:sym typeface="+mn-ea"/>
-              </a:rPr>
-              <a:t>the</a:t>
-            </a:r>
-            <a:r>
-              <a:rPr lang="zh-CN" altLang="en-US" dirty="0">
-                <a:solidFill>
-                  <a:srgbClr val="FF0000"/>
-                </a:solidFill>
-                <a:latin typeface="微软雅黑" panose="020B0503020204020204" charset="-122"/>
-                <a:ea typeface="微软雅黑" panose="020B0503020204020204" charset="-122"/>
-                <a:sym typeface="+mn-ea"/>
-              </a:rPr>
-              <a:t> </a:t>
-            </a:r>
-            <a:r>
-              <a:rPr lang="en-US" altLang="zh-CN" dirty="0">
-                <a:solidFill>
-                  <a:srgbClr val="FF0000"/>
-                </a:solidFill>
-                <a:latin typeface="微软雅黑" panose="020B0503020204020204" charset="-122"/>
-                <a:ea typeface="微软雅黑" panose="020B0503020204020204" charset="-122"/>
-                <a:sym typeface="+mn-ea"/>
-              </a:rPr>
-              <a:t>same proportion. Please delete this red text</a:t>
-            </a:r>
-            <a:r>
-              <a:rPr lang="zh-CN" altLang="en-US" dirty="0">
-                <a:solidFill>
-                  <a:srgbClr val="FF0000"/>
-                </a:solidFill>
-                <a:latin typeface="微软雅黑" panose="020B0503020204020204" charset="-122"/>
-                <a:ea typeface="微软雅黑" panose="020B0503020204020204" charset="-122"/>
-                <a:sym typeface="+mn-ea"/>
-              </a:rPr>
-              <a:t> </a:t>
-            </a:r>
-            <a:r>
-              <a:rPr lang="en-US" altLang="zh-CN" dirty="0">
-                <a:solidFill>
-                  <a:srgbClr val="FF0000"/>
-                </a:solidFill>
-                <a:latin typeface="微软雅黑" panose="020B0503020204020204" charset="-122"/>
-                <a:ea typeface="微软雅黑" panose="020B0503020204020204" charset="-122"/>
-                <a:sym typeface="+mn-ea"/>
-              </a:rPr>
-              <a:t>in</a:t>
-            </a:r>
-            <a:r>
-              <a:rPr lang="zh-CN" altLang="en-US" dirty="0">
-                <a:solidFill>
-                  <a:srgbClr val="FF0000"/>
-                </a:solidFill>
-                <a:latin typeface="微软雅黑" panose="020B0503020204020204" charset="-122"/>
-                <a:ea typeface="微软雅黑" panose="020B0503020204020204" charset="-122"/>
-                <a:sym typeface="+mn-ea"/>
-              </a:rPr>
-              <a:t> </a:t>
-            </a:r>
-            <a:r>
-              <a:rPr lang="en-US" altLang="zh-CN" dirty="0">
-                <a:solidFill>
-                  <a:srgbClr val="FF0000"/>
-                </a:solidFill>
-                <a:latin typeface="微软雅黑" panose="020B0503020204020204" charset="-122"/>
-                <a:ea typeface="微软雅黑" panose="020B0503020204020204" charset="-122"/>
-                <a:sym typeface="+mn-ea"/>
-              </a:rPr>
-              <a:t>the</a:t>
-            </a:r>
-            <a:r>
-              <a:rPr lang="zh-CN" altLang="en-US" dirty="0">
-                <a:solidFill>
-                  <a:srgbClr val="FF0000"/>
-                </a:solidFill>
-                <a:latin typeface="微软雅黑" panose="020B0503020204020204" charset="-122"/>
-                <a:ea typeface="微软雅黑" panose="020B0503020204020204" charset="-122"/>
-                <a:sym typeface="+mn-ea"/>
-              </a:rPr>
-              <a:t> </a:t>
-            </a:r>
-            <a:r>
-              <a:rPr lang="en-US" altLang="zh-CN" dirty="0">
-                <a:solidFill>
-                  <a:srgbClr val="FF0000"/>
-                </a:solidFill>
-                <a:latin typeface="微软雅黑" panose="020B0503020204020204" charset="-122"/>
-                <a:ea typeface="微软雅黑" panose="020B0503020204020204" charset="-122"/>
-                <a:sym typeface="+mn-ea"/>
-              </a:rPr>
-              <a:t>actual</a:t>
-            </a:r>
-            <a:r>
-              <a:rPr lang="zh-CN" altLang="en-US" dirty="0">
-                <a:solidFill>
-                  <a:srgbClr val="FF0000"/>
-                </a:solidFill>
-                <a:latin typeface="微软雅黑" panose="020B0503020204020204" charset="-122"/>
-                <a:ea typeface="微软雅黑" panose="020B0503020204020204" charset="-122"/>
-                <a:sym typeface="+mn-ea"/>
-              </a:rPr>
-              <a:t> </a:t>
-            </a:r>
-            <a:r>
-              <a:rPr lang="en-US" altLang="zh-CN" dirty="0">
-                <a:solidFill>
-                  <a:srgbClr val="FF0000"/>
-                </a:solidFill>
-                <a:latin typeface="微软雅黑" panose="020B0503020204020204" charset="-122"/>
-                <a:ea typeface="微软雅黑" panose="020B0503020204020204" charset="-122"/>
-                <a:sym typeface="+mn-ea"/>
-              </a:rPr>
-              <a:t>presentation!</a:t>
-            </a:r>
-            <a:endParaRPr lang="zh-CN" altLang="en-US" dirty="0"/>
+              <a:rPr lang="en-US" dirty="0"/>
+              <a:t>Summarize your conclusion</a:t>
+            </a:r>
+          </a:p>
+          <a:p>
+            <a:r>
+              <a:rPr lang="en-US" dirty="0"/>
+              <a:t>Thoughts to drive discussion </a:t>
+            </a:r>
+          </a:p>
+        </p:txBody>
+      </p:sp>
+      <p:sp>
+        <p:nvSpPr>
+          <p:cNvPr id="3" name="Title 2">
+            <a:extLst>
+              <a:ext uri="{FF2B5EF4-FFF2-40B4-BE49-F238E27FC236}">
+                <a16:creationId xmlns:a16="http://schemas.microsoft.com/office/drawing/2014/main" id="{B78711EE-0218-1F46-9869-EE43BF45AE47}"/>
+              </a:ext>
+            </a:extLst>
+          </p:cNvPr>
+          <p:cNvSpPr>
+            <a:spLocks noGrp="1"/>
+          </p:cNvSpPr>
+          <p:nvPr>
+            <p:ph type="title"/>
+          </p:nvPr>
+        </p:nvSpPr>
+        <p:spPr/>
+        <p:txBody>
+          <a:bodyPr/>
+          <a:lstStyle/>
+          <a:p>
+            <a:r>
+              <a:rPr lang="en-US" dirty="0"/>
+              <a:t>Summary</a:t>
+            </a:r>
           </a:p>
         </p:txBody>
       </p:sp>
     </p:spTree>
+    <p:extLst>
+      <p:ext uri="{BB962C8B-B14F-4D97-AF65-F5344CB8AC3E}">
+        <p14:creationId xmlns:p14="http://schemas.microsoft.com/office/powerpoint/2010/main" val="3680937543"/>
+      </p:ext>
+    </p:extLst>
   </p:cSld>
   <p:clrMapOvr>
     <a:masterClrMapping/>

--- a/docs/AIAED_technical_tracks_template.pptx
+++ b/docs/AIAED_technical_tracks_template.pptx
@@ -5,23 +5,24 @@
     <p:sldMasterId id="2147483648" r:id="rId1"/>
   </p:sldMasterIdLst>
   <p:notesMasterIdLst>
-    <p:notesMasterId r:id="rId13"/>
+    <p:notesMasterId r:id="rId14"/>
   </p:notesMasterIdLst>
   <p:handoutMasterIdLst>
-    <p:handoutMasterId r:id="rId14"/>
+    <p:handoutMasterId r:id="rId15"/>
   </p:handoutMasterIdLst>
   <p:sldIdLst>
-    <p:sldId id="262" r:id="rId2"/>
-    <p:sldId id="276" r:id="rId3"/>
-    <p:sldId id="269" r:id="rId4"/>
-    <p:sldId id="271" r:id="rId5"/>
-    <p:sldId id="268" r:id="rId6"/>
-    <p:sldId id="270" r:id="rId7"/>
-    <p:sldId id="273" r:id="rId8"/>
-    <p:sldId id="274" r:id="rId9"/>
-    <p:sldId id="275" r:id="rId10"/>
-    <p:sldId id="261" r:id="rId11"/>
-    <p:sldId id="263" r:id="rId12"/>
+    <p:sldId id="277" r:id="rId2"/>
+    <p:sldId id="262" r:id="rId3"/>
+    <p:sldId id="276" r:id="rId4"/>
+    <p:sldId id="269" r:id="rId5"/>
+    <p:sldId id="271" r:id="rId6"/>
+    <p:sldId id="268" r:id="rId7"/>
+    <p:sldId id="270" r:id="rId8"/>
+    <p:sldId id="273" r:id="rId9"/>
+    <p:sldId id="274" r:id="rId10"/>
+    <p:sldId id="275" r:id="rId11"/>
+    <p:sldId id="261" r:id="rId12"/>
+    <p:sldId id="263" r:id="rId13"/>
   </p:sldIdLst>
   <p:sldSz cx="9144000" cy="6858000" type="screen4x3"/>
   <p:notesSz cx="6858000" cy="9144000"/>
@@ -224,7 +225,7 @@
           <a:p>
             <a:fld id="{873F0FE5-91D7-EC42-A1B6-F11C00BC5F26}" type="datetimeFigureOut">
               <a:rPr kumimoji="1" lang="zh-CN" altLang="en-US" smtClean="0"/>
-              <a:t>2019/5/8</a:t>
+              <a:t>2019/5/9</a:t>
             </a:fld>
             <a:endParaRPr kumimoji="1" lang="zh-CN" altLang="en-US"/>
           </a:p>
@@ -384,7 +385,7 @@
           <a:p>
             <a:fld id="{6EAFC8EE-6201-E243-B9F4-76EEF9A02E16}" type="datetimeFigureOut">
               <a:rPr kumimoji="1" lang="zh-CN" altLang="en-US" smtClean="0"/>
-              <a:t>2019/5/8</a:t>
+              <a:t>2019/5/9</a:t>
             </a:fld>
             <a:endParaRPr kumimoji="1" lang="zh-CN" altLang="en-US"/>
           </a:p>
@@ -1047,7 +1048,7 @@
           <a:p>
             <a:fld id="{F5738ABE-FE2D-4528-A7FF-BA7C95644966}" type="datetimeFigureOut">
               <a:rPr lang="zh-CN" altLang="en-US" smtClean="0"/>
-              <a:t>2019/5/8</a:t>
+              <a:t>2019/5/9</a:t>
             </a:fld>
             <a:endParaRPr lang="zh-CN" altLang="en-US"/>
           </a:p>
@@ -3167,7 +3168,7 @@
           <a:p>
             <a:fld id="{F5738ABE-FE2D-4528-A7FF-BA7C95644966}" type="datetimeFigureOut">
               <a:rPr lang="zh-CN" altLang="en-US" smtClean="0"/>
-              <a:t>2019/5/8</a:t>
+              <a:t>2019/5/9</a:t>
             </a:fld>
             <a:endParaRPr lang="zh-CN" altLang="en-US"/>
           </a:p>
@@ -3566,73 +3567,93 @@
       </p:grpSpPr>
       <p:sp>
         <p:nvSpPr>
-          <p:cNvPr id="2" name="文本框 1"/>
-          <p:cNvSpPr txBox="1"/>
-          <p:nvPr/>
-        </p:nvSpPr>
-        <p:spPr>
-          <a:xfrm>
-            <a:off x="2260582" y="276190"/>
-            <a:ext cx="4803884" cy="1200329"/>
-          </a:xfrm>
-          <a:prstGeom prst="rect">
-            <a:avLst/>
-          </a:prstGeom>
-          <a:noFill/>
-          <a:ln>
-            <a:solidFill>
-              <a:srgbClr val="FF0000"/>
-            </a:solidFill>
-          </a:ln>
-        </p:spPr>
-        <p:txBody>
-          <a:bodyPr wrap="square" rtlCol="0" anchor="t">
-            <a:spAutoFit/>
-          </a:bodyPr>
+          <p:cNvPr id="5" name="Content Placeholder 4">
+            <a:extLst>
+              <a:ext uri="{FF2B5EF4-FFF2-40B4-BE49-F238E27FC236}">
+                <a16:creationId xmlns:a16="http://schemas.microsoft.com/office/drawing/2014/main" id="{287FC169-708D-4416-BA8D-834C57A314F9}"/>
+              </a:ext>
+            </a:extLst>
+          </p:cNvPr>
+          <p:cNvSpPr>
+            <a:spLocks noGrp="1"/>
+          </p:cNvSpPr>
+          <p:nvPr>
+            <p:ph sz="quarter" idx="13"/>
+          </p:nvPr>
+        </p:nvSpPr>
+        <p:spPr/>
+        <p:txBody>
+          <a:bodyPr/>
           <a:lstStyle/>
           <a:p>
             <a:r>
-              <a:rPr lang="en-US" altLang="zh-CN" dirty="0">
+              <a:rPr lang="en-US" dirty="0"/>
+              <a:t>The total time for your presentation is 15 minutes. </a:t>
+            </a:r>
+            <a:r>
+              <a:rPr lang="en-US" dirty="0">
                 <a:solidFill>
                   <a:srgbClr val="FF0000"/>
                 </a:solidFill>
-                <a:latin typeface="微软雅黑" panose="020B0503020204020204" charset="-122"/>
-                <a:ea typeface="微软雅黑" panose="020B0503020204020204" charset="-122"/>
-                <a:sym typeface="+mn-ea"/>
-              </a:rPr>
-              <a:t>This is a cover slide to give you the correct dimensions to use. This red text is NOT part of the template, please delete this from your actual </a:t>
-            </a:r>
-            <a:r>
-              <a:rPr lang="en-US" altLang="zh-CN" dirty="0" err="1">
-                <a:solidFill>
-                  <a:srgbClr val="FF0000"/>
-                </a:solidFill>
-                <a:latin typeface="微软雅黑" panose="020B0503020204020204" charset="-122"/>
-                <a:ea typeface="微软雅黑" panose="020B0503020204020204" charset="-122"/>
-                <a:sym typeface="+mn-ea"/>
-              </a:rPr>
-              <a:t>Powerpoint</a:t>
-            </a:r>
-            <a:r>
-              <a:rPr lang="en-US" altLang="zh-CN" dirty="0">
-                <a:solidFill>
-                  <a:srgbClr val="FF0000"/>
-                </a:solidFill>
-                <a:latin typeface="微软雅黑" panose="020B0503020204020204" charset="-122"/>
-                <a:ea typeface="微软雅黑" panose="020B0503020204020204" charset="-122"/>
-                <a:sym typeface="+mn-ea"/>
-              </a:rPr>
-              <a:t>!</a:t>
-            </a:r>
-            <a:endParaRPr lang="zh-CN" altLang="en-US" dirty="0">
-              <a:solidFill>
-                <a:srgbClr val="FF0000"/>
-              </a:solidFill>
-            </a:endParaRPr>
+              </a:rPr>
+              <a:t>This will include your presentation AND questions</a:t>
+            </a:r>
+            <a:r>
+              <a:rPr lang="en-US" dirty="0"/>
+              <a:t>.</a:t>
+            </a:r>
+          </a:p>
+          <a:p>
+            <a:r>
+              <a:rPr lang="en-US" dirty="0"/>
+              <a:t>We suggest that you finish your presentation within 11 minutes and leave time for questions and transition to the next presentation.</a:t>
+            </a:r>
+          </a:p>
+          <a:p>
+            <a:pPr marL="0" indent="0" algn="r">
+              <a:buNone/>
+            </a:pPr>
+            <a:r>
+              <a:rPr lang="en-US" dirty="0"/>
+              <a:t>Thanks!</a:t>
+            </a:r>
+          </a:p>
+        </p:txBody>
+      </p:sp>
+      <p:sp>
+        <p:nvSpPr>
+          <p:cNvPr id="4" name="Title 3">
+            <a:extLst>
+              <a:ext uri="{FF2B5EF4-FFF2-40B4-BE49-F238E27FC236}">
+                <a16:creationId xmlns:a16="http://schemas.microsoft.com/office/drawing/2014/main" id="{FC56DEEA-0D4B-402C-8F13-B2963106C293}"/>
+              </a:ext>
+            </a:extLst>
+          </p:cNvPr>
+          <p:cNvSpPr>
+            <a:spLocks noGrp="1"/>
+          </p:cNvSpPr>
+          <p:nvPr>
+            <p:ph type="title"/>
+          </p:nvPr>
+        </p:nvSpPr>
+        <p:spPr/>
+        <p:txBody>
+          <a:bodyPr/>
+          <a:lstStyle/>
+          <a:p>
+            <a:r>
+              <a:rPr lang="en-US" dirty="0"/>
+              <a:t>Note, Please read!</a:t>
+            </a:r>
           </a:p>
         </p:txBody>
       </p:sp>
     </p:spTree>
+    <p:extLst>
+      <p:ext uri="{BB962C8B-B14F-4D97-AF65-F5344CB8AC3E}">
+        <p14:creationId xmlns:p14="http://schemas.microsoft.com/office/powerpoint/2010/main" val="4203546991"/>
+      </p:ext>
+    </p:extLst>
   </p:cSld>
   <p:clrMapOvr>
     <a:masterClrMapping/>
@@ -3659,6 +3680,98 @@
       </p:grpSpPr>
       <p:sp>
         <p:nvSpPr>
+          <p:cNvPr id="2" name="Content Placeholder 1">
+            <a:extLst>
+              <a:ext uri="{FF2B5EF4-FFF2-40B4-BE49-F238E27FC236}">
+                <a16:creationId xmlns:a16="http://schemas.microsoft.com/office/drawing/2014/main" id="{20E4FD6E-DE60-9D4A-802C-072D9603F613}"/>
+              </a:ext>
+            </a:extLst>
+          </p:cNvPr>
+          <p:cNvSpPr>
+            <a:spLocks noGrp="1"/>
+          </p:cNvSpPr>
+          <p:nvPr>
+            <p:ph sz="quarter" idx="13"/>
+          </p:nvPr>
+        </p:nvSpPr>
+        <p:spPr/>
+        <p:txBody>
+          <a:bodyPr/>
+          <a:lstStyle/>
+          <a:p>
+            <a:r>
+              <a:rPr lang="en-US" dirty="0"/>
+              <a:t>Summarize your conclusion</a:t>
+            </a:r>
+          </a:p>
+          <a:p>
+            <a:r>
+              <a:rPr lang="en-US" dirty="0"/>
+              <a:t>Thoughts to drive discussion </a:t>
+            </a:r>
+          </a:p>
+        </p:txBody>
+      </p:sp>
+      <p:sp>
+        <p:nvSpPr>
+          <p:cNvPr id="3" name="Title 2">
+            <a:extLst>
+              <a:ext uri="{FF2B5EF4-FFF2-40B4-BE49-F238E27FC236}">
+                <a16:creationId xmlns:a16="http://schemas.microsoft.com/office/drawing/2014/main" id="{B78711EE-0218-1F46-9869-EE43BF45AE47}"/>
+              </a:ext>
+            </a:extLst>
+          </p:cNvPr>
+          <p:cNvSpPr>
+            <a:spLocks noGrp="1"/>
+          </p:cNvSpPr>
+          <p:nvPr>
+            <p:ph type="title"/>
+          </p:nvPr>
+        </p:nvSpPr>
+        <p:spPr/>
+        <p:txBody>
+          <a:bodyPr/>
+          <a:lstStyle/>
+          <a:p>
+            <a:r>
+              <a:rPr lang="en-US" dirty="0"/>
+              <a:t>Summary</a:t>
+            </a:r>
+          </a:p>
+        </p:txBody>
+      </p:sp>
+    </p:spTree>
+    <p:extLst>
+      <p:ext uri="{BB962C8B-B14F-4D97-AF65-F5344CB8AC3E}">
+        <p14:creationId xmlns:p14="http://schemas.microsoft.com/office/powerpoint/2010/main" val="3680937543"/>
+      </p:ext>
+    </p:extLst>
+  </p:cSld>
+  <p:clrMapOvr>
+    <a:masterClrMapping/>
+  </p:clrMapOvr>
+</p:sld>
+</file>
+
+<file path=ppt/slides/slide11.xml><?xml version="1.0" encoding="utf-8"?>
+<p:sld xmlns:a="http://schemas.openxmlformats.org/drawingml/2006/main" xmlns:r="http://schemas.openxmlformats.org/officeDocument/2006/relationships" xmlns:p="http://schemas.openxmlformats.org/presentationml/2006/main">
+  <p:cSld>
+    <p:spTree>
+      <p:nvGrpSpPr>
+        <p:cNvPr id="1" name=""/>
+        <p:cNvGrpSpPr/>
+        <p:nvPr/>
+      </p:nvGrpSpPr>
+      <p:grpSpPr>
+        <a:xfrm>
+          <a:off x="0" y="0"/>
+          <a:ext cx="0" cy="0"/>
+          <a:chOff x="0" y="0"/>
+          <a:chExt cx="0" cy="0"/>
+        </a:xfrm>
+      </p:grpSpPr>
+      <p:sp>
+        <p:nvSpPr>
           <p:cNvPr id="2" name="文本框 1"/>
           <p:cNvSpPr txBox="1"/>
           <p:nvPr/>
@@ -3859,7 +3972,7 @@
 </p:sld>
 </file>
 
-<file path=ppt/slides/slide11.xml><?xml version="1.0" encoding="utf-8"?>
+<file path=ppt/slides/slide12.xml><?xml version="1.0" encoding="utf-8"?>
 <p:sld xmlns:a="http://schemas.openxmlformats.org/drawingml/2006/main" xmlns:r="http://schemas.openxmlformats.org/officeDocument/2006/relationships" xmlns:p="http://schemas.openxmlformats.org/presentationml/2006/main" show="0">
   <p:cSld>
     <p:spTree>
@@ -3903,76 +4016,14 @@
       </p:grpSpPr>
       <p:sp>
         <p:nvSpPr>
-          <p:cNvPr id="2" name="Title 1">
-            <a:extLst>
-              <a:ext uri="{FF2B5EF4-FFF2-40B4-BE49-F238E27FC236}">
-                <a16:creationId xmlns:a16="http://schemas.microsoft.com/office/drawing/2014/main" id="{28D6ECE6-35A5-CF45-BFC6-1CFFE164101F}"/>
-              </a:ext>
-            </a:extLst>
-          </p:cNvPr>
-          <p:cNvSpPr>
-            <a:spLocks noGrp="1"/>
-          </p:cNvSpPr>
-          <p:nvPr>
-            <p:ph type="ctrTitle"/>
-          </p:nvPr>
-        </p:nvSpPr>
-        <p:spPr/>
-        <p:txBody>
-          <a:bodyPr/>
-          <a:lstStyle/>
-          <a:p>
-            <a:r>
-              <a:rPr lang="en-US" dirty="0"/>
-              <a:t>Insert talk title</a:t>
-            </a:r>
-          </a:p>
-        </p:txBody>
-      </p:sp>
-      <p:sp>
-        <p:nvSpPr>
-          <p:cNvPr id="3" name="Subtitle 2">
-            <a:extLst>
-              <a:ext uri="{FF2B5EF4-FFF2-40B4-BE49-F238E27FC236}">
-                <a16:creationId xmlns:a16="http://schemas.microsoft.com/office/drawing/2014/main" id="{2D3E8F67-6678-DF47-A0F9-FD798AA00458}"/>
-              </a:ext>
-            </a:extLst>
-          </p:cNvPr>
-          <p:cNvSpPr>
-            <a:spLocks noGrp="1"/>
-          </p:cNvSpPr>
-          <p:nvPr>
-            <p:ph type="subTitle" idx="1"/>
-          </p:nvPr>
-        </p:nvSpPr>
-        <p:spPr/>
-        <p:txBody>
-          <a:bodyPr/>
-          <a:lstStyle/>
-          <a:p>
-            <a:r>
-              <a:rPr lang="en-US" dirty="0"/>
-              <a:t>Insert authors and affiliations</a:t>
-            </a:r>
-          </a:p>
-        </p:txBody>
-      </p:sp>
-      <p:sp>
-        <p:nvSpPr>
-          <p:cNvPr id="4" name="文本框 1">
-            <a:extLst>
-              <a:ext uri="{FF2B5EF4-FFF2-40B4-BE49-F238E27FC236}">
-                <a16:creationId xmlns:a16="http://schemas.microsoft.com/office/drawing/2014/main" id="{1EF93313-8EAC-C640-924E-357423541671}"/>
-              </a:ext>
-            </a:extLst>
-          </p:cNvPr>
+          <p:cNvPr id="2" name="文本框 1"/>
           <p:cNvSpPr txBox="1"/>
           <p:nvPr/>
         </p:nvSpPr>
         <p:spPr>
           <a:xfrm>
             <a:off x="2260582" y="276190"/>
-            <a:ext cx="4803884" cy="1754326"/>
+            <a:ext cx="4803884" cy="1200329"/>
           </a:xfrm>
           <a:prstGeom prst="rect">
             <a:avLst/>
@@ -3999,30 +4050,7 @@
                 <a:ea typeface="微软雅黑" panose="020B0503020204020204" charset="-122"/>
                 <a:sym typeface="+mn-ea"/>
               </a:rPr>
-              <a:t>This is a title slide. You can use it or create your own.</a:t>
-            </a:r>
-          </a:p>
-          <a:p>
-            <a:endParaRPr lang="en-US" altLang="zh-CN" dirty="0">
-              <a:solidFill>
-                <a:srgbClr val="FF0000"/>
-              </a:solidFill>
-              <a:latin typeface="微软雅黑" panose="020B0503020204020204" charset="-122"/>
-              <a:ea typeface="微软雅黑" panose="020B0503020204020204" charset="-122"/>
-              <a:sym typeface="+mn-ea"/>
-            </a:endParaRPr>
-          </a:p>
-          <a:p>
-            <a:r>
-              <a:rPr lang="en-US" altLang="zh-CN" dirty="0">
-                <a:solidFill>
-                  <a:srgbClr val="FF0000"/>
-                </a:solidFill>
-                <a:latin typeface="微软雅黑" panose="020B0503020204020204" charset="-122"/>
-                <a:ea typeface="微软雅黑" panose="020B0503020204020204" charset="-122"/>
-                <a:sym typeface="+mn-ea"/>
-              </a:rPr>
-              <a:t>This red text is NOT part of the template, please delete this from your actual </a:t>
+              <a:t>This is a cover slide to give you the correct dimensions to use. This red text is NOT part of the template, please delete this from your actual </a:t>
             </a:r>
             <a:r>
               <a:rPr lang="en-US" altLang="zh-CN" dirty="0" err="1">
@@ -4055,11 +4083,6 @@
         </p:txBody>
       </p:sp>
     </p:spTree>
-    <p:extLst>
-      <p:ext uri="{BB962C8B-B14F-4D97-AF65-F5344CB8AC3E}">
-        <p14:creationId xmlns:p14="http://schemas.microsoft.com/office/powerpoint/2010/main" val="3806458314"/>
-      </p:ext>
-    </p:extLst>
   </p:cSld>
   <p:clrMapOvr>
     <a:masterClrMapping/>
@@ -4089,7 +4112,7 @@
           <p:cNvPr id="2" name="Title 1">
             <a:extLst>
               <a:ext uri="{FF2B5EF4-FFF2-40B4-BE49-F238E27FC236}">
-                <a16:creationId xmlns:a16="http://schemas.microsoft.com/office/drawing/2014/main" id="{29E9BE6F-D0A1-D740-9045-054D527A0ACA}"/>
+                <a16:creationId xmlns:a16="http://schemas.microsoft.com/office/drawing/2014/main" id="{28D6ECE6-35A5-CF45-BFC6-1CFFE164101F}"/>
               </a:ext>
             </a:extLst>
           </p:cNvPr>
@@ -4097,7 +4120,7 @@
             <a:spLocks noGrp="1"/>
           </p:cNvSpPr>
           <p:nvPr>
-            <p:ph type="title"/>
+            <p:ph type="ctrTitle"/>
           </p:nvPr>
         </p:nvSpPr>
         <p:spPr/>
@@ -4107,17 +4130,17 @@
           <a:p>
             <a:r>
               <a:rPr lang="en-US" dirty="0"/>
-              <a:t>Introduction</a:t>
-            </a:r>
-          </a:p>
-        </p:txBody>
-      </p:sp>
-      <p:sp>
-        <p:nvSpPr>
-          <p:cNvPr id="3" name="Content Placeholder 2">
+              <a:t>Insert talk title</a:t>
+            </a:r>
+          </a:p>
+        </p:txBody>
+      </p:sp>
+      <p:sp>
+        <p:nvSpPr>
+          <p:cNvPr id="3" name="Subtitle 2">
             <a:extLst>
               <a:ext uri="{FF2B5EF4-FFF2-40B4-BE49-F238E27FC236}">
-                <a16:creationId xmlns:a16="http://schemas.microsoft.com/office/drawing/2014/main" id="{90FF84E4-FE4A-D643-AFB2-C50E3A48A198}"/>
+                <a16:creationId xmlns:a16="http://schemas.microsoft.com/office/drawing/2014/main" id="{2D3E8F67-6678-DF47-A0F9-FD798AA00458}"/>
               </a:ext>
             </a:extLst>
           </p:cNvPr>
@@ -4125,7 +4148,7 @@
             <a:spLocks noGrp="1"/>
           </p:cNvSpPr>
           <p:nvPr>
-            <p:ph sz="quarter" idx="13"/>
+            <p:ph type="subTitle" idx="1"/>
           </p:nvPr>
         </p:nvSpPr>
         <p:spPr/>
@@ -4133,114 +4156,114 @@
           <a:bodyPr/>
           <a:lstStyle/>
           <a:p>
-            <a:pPr marL="495300" indent="-457200">
-              <a:lnSpc>
-                <a:spcPct val="100000"/>
-              </a:lnSpc>
-              <a:spcBef>
-                <a:spcPts val="0"/>
-              </a:spcBef>
-              <a:buClr>
-                <a:schemeClr val="dk1"/>
-              </a:buClr>
-              <a:buSzPct val="166666"/>
-            </a:pPr>
-            <a:r>
-              <a:rPr lang="en" dirty="0">
-                <a:latin typeface="Arial"/>
-                <a:ea typeface="Arial"/>
-                <a:cs typeface="Arial"/>
-                <a:sym typeface="Arial"/>
-              </a:rPr>
-              <a:t>Provide a brief introduction to your research interest and how it relates to AI in adaptive education</a:t>
-            </a:r>
-          </a:p>
-          <a:p>
-            <a:pPr marL="495300" indent="-457200">
-              <a:lnSpc>
-                <a:spcPct val="100000"/>
-              </a:lnSpc>
-              <a:spcBef>
-                <a:spcPts val="0"/>
-              </a:spcBef>
-              <a:buClr>
-                <a:schemeClr val="dk1"/>
-              </a:buClr>
-              <a:buSzPct val="166666"/>
-            </a:pPr>
-            <a:r>
-              <a:rPr lang="en" i="1" dirty="0">
-                <a:latin typeface="Arial"/>
-                <a:ea typeface="Arial"/>
-                <a:cs typeface="Arial"/>
-                <a:sym typeface="Arial"/>
-              </a:rPr>
-              <a:t>Design n</a:t>
-            </a:r>
-            <a:r>
-              <a:rPr lang="en-US" i="1" dirty="0">
-                <a:latin typeface="Arial"/>
-                <a:ea typeface="Arial"/>
-                <a:cs typeface="Arial"/>
-                <a:sym typeface="Arial"/>
-              </a:rPr>
-              <a:t>o</a:t>
-            </a:r>
-            <a:r>
-              <a:rPr lang="en" i="1" dirty="0" err="1">
-                <a:latin typeface="Arial"/>
-                <a:ea typeface="Arial"/>
-                <a:cs typeface="Arial"/>
-                <a:sym typeface="Arial"/>
-              </a:rPr>
-              <a:t>te</a:t>
-            </a:r>
-            <a:r>
-              <a:rPr lang="en" i="1" dirty="0">
-                <a:latin typeface="Arial"/>
-                <a:ea typeface="Arial"/>
-                <a:cs typeface="Arial"/>
-                <a:sym typeface="Arial"/>
-              </a:rPr>
-              <a:t>: this ppt template contains differ</a:t>
-            </a:r>
-            <a:r>
-              <a:rPr lang="en-US" i="1" dirty="0">
-                <a:latin typeface="Arial"/>
-                <a:ea typeface="Arial"/>
-                <a:cs typeface="Arial"/>
-                <a:sym typeface="Arial"/>
-              </a:rPr>
-              <a:t>e</a:t>
-            </a:r>
-            <a:r>
-              <a:rPr lang="en" i="1" dirty="0" err="1">
-                <a:latin typeface="Arial"/>
-                <a:ea typeface="Arial"/>
-                <a:cs typeface="Arial"/>
-                <a:sym typeface="Arial"/>
-              </a:rPr>
-              <a:t>nt</a:t>
-            </a:r>
-            <a:r>
-              <a:rPr lang="en" i="1" dirty="0">
-                <a:latin typeface="Arial"/>
-                <a:ea typeface="Arial"/>
-                <a:cs typeface="Arial"/>
-                <a:sym typeface="Arial"/>
-              </a:rPr>
-              <a:t> slide designs for your content slides. This is one design. The next few slides use different designs. We suggest you pick one and stick with it. </a:t>
-            </a:r>
-          </a:p>
-          <a:p>
-            <a:endParaRPr lang="en-US" dirty="0"/>
+            <a:r>
+              <a:rPr lang="en-US" dirty="0"/>
+              <a:t>Insert authors and affiliations</a:t>
+            </a:r>
+          </a:p>
+        </p:txBody>
+      </p:sp>
+      <p:sp>
+        <p:nvSpPr>
+          <p:cNvPr id="4" name="文本框 1">
+            <a:extLst>
+              <a:ext uri="{FF2B5EF4-FFF2-40B4-BE49-F238E27FC236}">
+                <a16:creationId xmlns:a16="http://schemas.microsoft.com/office/drawing/2014/main" id="{1EF93313-8EAC-C640-924E-357423541671}"/>
+              </a:ext>
+            </a:extLst>
+          </p:cNvPr>
+          <p:cNvSpPr txBox="1"/>
+          <p:nvPr/>
+        </p:nvSpPr>
+        <p:spPr>
+          <a:xfrm>
+            <a:off x="2260582" y="276190"/>
+            <a:ext cx="4803884" cy="1754326"/>
+          </a:xfrm>
+          <a:prstGeom prst="rect">
+            <a:avLst/>
+          </a:prstGeom>
+          <a:noFill/>
+          <a:ln>
+            <a:solidFill>
+              <a:srgbClr val="FF0000"/>
+            </a:solidFill>
+          </a:ln>
+        </p:spPr>
+        <p:txBody>
+          <a:bodyPr wrap="square" rtlCol="0" anchor="t">
+            <a:spAutoFit/>
+          </a:bodyPr>
+          <a:lstStyle/>
+          <a:p>
+            <a:r>
+              <a:rPr lang="en-US" altLang="zh-CN" dirty="0">
+                <a:solidFill>
+                  <a:srgbClr val="FF0000"/>
+                </a:solidFill>
+                <a:latin typeface="微软雅黑" panose="020B0503020204020204" charset="-122"/>
+                <a:ea typeface="微软雅黑" panose="020B0503020204020204" charset="-122"/>
+                <a:sym typeface="+mn-ea"/>
+              </a:rPr>
+              <a:t>This is a title slide. You can use it or create your own.</a:t>
+            </a:r>
+          </a:p>
+          <a:p>
+            <a:endParaRPr lang="en-US" altLang="zh-CN" dirty="0">
+              <a:solidFill>
+                <a:srgbClr val="FF0000"/>
+              </a:solidFill>
+              <a:latin typeface="微软雅黑" panose="020B0503020204020204" charset="-122"/>
+              <a:ea typeface="微软雅黑" panose="020B0503020204020204" charset="-122"/>
+              <a:sym typeface="+mn-ea"/>
+            </a:endParaRPr>
+          </a:p>
+          <a:p>
+            <a:r>
+              <a:rPr lang="en-US" altLang="zh-CN" dirty="0">
+                <a:solidFill>
+                  <a:srgbClr val="FF0000"/>
+                </a:solidFill>
+                <a:latin typeface="微软雅黑" panose="020B0503020204020204" charset="-122"/>
+                <a:ea typeface="微软雅黑" panose="020B0503020204020204" charset="-122"/>
+                <a:sym typeface="+mn-ea"/>
+              </a:rPr>
+              <a:t>This red text is NOT part of the template, please delete this from your actual </a:t>
+            </a:r>
+            <a:r>
+              <a:rPr lang="en-US" altLang="zh-CN" dirty="0" err="1">
+                <a:solidFill>
+                  <a:srgbClr val="FF0000"/>
+                </a:solidFill>
+                <a:latin typeface="微软雅黑" panose="020B0503020204020204" charset="-122"/>
+                <a:ea typeface="微软雅黑" panose="020B0503020204020204" charset="-122"/>
+                <a:sym typeface="+mn-ea"/>
+              </a:rPr>
+              <a:t>Powerpoint</a:t>
+            </a:r>
+            <a:r>
+              <a:rPr lang="en-US" altLang="zh-CN" dirty="0">
+                <a:solidFill>
+                  <a:srgbClr val="FF0000"/>
+                </a:solidFill>
+                <a:latin typeface="微软雅黑" panose="020B0503020204020204" charset="-122"/>
+                <a:ea typeface="微软雅黑" panose="020B0503020204020204" charset="-122"/>
+                <a:sym typeface="+mn-ea"/>
+              </a:rPr>
+              <a:t>!</a:t>
+            </a:r>
+            <a:endParaRPr lang="zh-CN" altLang="en-US" dirty="0">
+              <a:solidFill>
+                <a:srgbClr val="FF0000"/>
+              </a:solidFill>
+            </a:endParaRPr>
           </a:p>
         </p:txBody>
       </p:sp>
     </p:spTree>
     <p:extLst>
       <p:ext uri="{BB962C8B-B14F-4D97-AF65-F5344CB8AC3E}">
-        <p14:creationId xmlns:p14="http://schemas.microsoft.com/office/powerpoint/2010/main" val="396935775"/>
+        <p14:creationId xmlns:p14="http://schemas.microsoft.com/office/powerpoint/2010/main" val="3806458314"/>
       </p:ext>
     </p:extLst>
   </p:cSld>
@@ -4269,10 +4292,38 @@
       </p:grpSpPr>
       <p:sp>
         <p:nvSpPr>
-          <p:cNvPr id="2" name="Content Placeholder 1">
+          <p:cNvPr id="2" name="Title 1">
             <a:extLst>
               <a:ext uri="{FF2B5EF4-FFF2-40B4-BE49-F238E27FC236}">
-                <a16:creationId xmlns:a16="http://schemas.microsoft.com/office/drawing/2014/main" id="{20E4FD6E-DE60-9D4A-802C-072D9603F613}"/>
+                <a16:creationId xmlns:a16="http://schemas.microsoft.com/office/drawing/2014/main" id="{29E9BE6F-D0A1-D740-9045-054D527A0ACA}"/>
+              </a:ext>
+            </a:extLst>
+          </p:cNvPr>
+          <p:cNvSpPr>
+            <a:spLocks noGrp="1"/>
+          </p:cNvSpPr>
+          <p:nvPr>
+            <p:ph type="title"/>
+          </p:nvPr>
+        </p:nvSpPr>
+        <p:spPr/>
+        <p:txBody>
+          <a:bodyPr/>
+          <a:lstStyle/>
+          <a:p>
+            <a:r>
+              <a:rPr lang="en-US" dirty="0"/>
+              <a:t>Introduction</a:t>
+            </a:r>
+          </a:p>
+        </p:txBody>
+      </p:sp>
+      <p:sp>
+        <p:nvSpPr>
+          <p:cNvPr id="3" name="Content Placeholder 2">
+            <a:extLst>
+              <a:ext uri="{FF2B5EF4-FFF2-40B4-BE49-F238E27FC236}">
+                <a16:creationId xmlns:a16="http://schemas.microsoft.com/office/drawing/2014/main" id="{90FF84E4-FE4A-D643-AFB2-C50E3A48A198}"/>
               </a:ext>
             </a:extLst>
           </p:cNvPr>
@@ -4288,20 +4339,41 @@
           <a:bodyPr/>
           <a:lstStyle/>
           <a:p>
+            <a:pPr marL="495300" indent="-457200">
+              <a:lnSpc>
+                <a:spcPct val="100000"/>
+              </a:lnSpc>
+              <a:spcBef>
+                <a:spcPts val="0"/>
+              </a:spcBef>
+              <a:buClr>
+                <a:schemeClr val="dk1"/>
+              </a:buClr>
+              <a:buSzPct val="166666"/>
+            </a:pPr>
             <a:r>
               <a:rPr lang="en" dirty="0">
-                <a:solidFill>
-                  <a:schemeClr val="dk1"/>
-                </a:solidFill>
                 <a:latin typeface="Arial"/>
                 <a:ea typeface="Arial"/>
                 <a:cs typeface="Arial"/>
                 <a:sym typeface="Arial"/>
               </a:rPr>
-              <a:t>Brief discussion of relevant theories of learning or other theoretical background/approaches that support your work</a:t>
-            </a:r>
-          </a:p>
-          <a:p>
+              <a:t>Provide a brief introduction to your research interest and how it relates to AI in adaptive education</a:t>
+            </a:r>
+          </a:p>
+          <a:p>
+            <a:pPr marL="495300" indent="-457200">
+              <a:lnSpc>
+                <a:spcPct val="100000"/>
+              </a:lnSpc>
+              <a:spcBef>
+                <a:spcPts val="0"/>
+              </a:spcBef>
+              <a:buClr>
+                <a:schemeClr val="dk1"/>
+              </a:buClr>
+              <a:buSzPct val="166666"/>
+            </a:pPr>
             <a:r>
               <a:rPr lang="en" i="1" dirty="0">
                 <a:latin typeface="Arial"/>
@@ -4336,70 +4408,45 @@
                 <a:cs typeface="Arial"/>
                 <a:sym typeface="Arial"/>
               </a:rPr>
-              <a:t>: this is another design option. We suggest you pick one and stick with it. </a:t>
-            </a:r>
-          </a:p>
-          <a:p>
-            <a:pPr marL="0" indent="0">
-              <a:buNone/>
-            </a:pPr>
-            <a:endParaRPr lang="en" i="1" dirty="0">
-              <a:latin typeface="Arial"/>
-              <a:ea typeface="Arial"/>
-              <a:cs typeface="Arial"/>
-              <a:sym typeface="Arial"/>
-            </a:endParaRPr>
-          </a:p>
-          <a:p>
-            <a:endParaRPr lang="en" dirty="0">
-              <a:solidFill>
-                <a:schemeClr val="dk1"/>
-              </a:solidFill>
-              <a:latin typeface="Arial"/>
-              <a:ea typeface="Arial"/>
-              <a:cs typeface="Arial"/>
-              <a:sym typeface="Arial"/>
-            </a:endParaRPr>
+              <a:t>: this ppt template contains differ</a:t>
+            </a:r>
+            <a:r>
+              <a:rPr lang="en-US" i="1" dirty="0">
+                <a:latin typeface="Arial"/>
+                <a:ea typeface="Arial"/>
+                <a:cs typeface="Arial"/>
+                <a:sym typeface="Arial"/>
+              </a:rPr>
+              <a:t>e</a:t>
+            </a:r>
+            <a:r>
+              <a:rPr lang="en" i="1" dirty="0" err="1">
+                <a:latin typeface="Arial"/>
+                <a:ea typeface="Arial"/>
+                <a:cs typeface="Arial"/>
+                <a:sym typeface="Arial"/>
+              </a:rPr>
+              <a:t>nt</a:t>
+            </a:r>
+            <a:r>
+              <a:rPr lang="en" i="1" dirty="0">
+                <a:latin typeface="Arial"/>
+                <a:ea typeface="Arial"/>
+                <a:cs typeface="Arial"/>
+                <a:sym typeface="Arial"/>
+              </a:rPr>
+              <a:t> slide designs for your content slides. This is one design. The next few slides use different designs. We suggest you pick one and stick with it. </a:t>
+            </a:r>
           </a:p>
           <a:p>
             <a:endParaRPr lang="en-US" dirty="0"/>
-          </a:p>
-        </p:txBody>
-      </p:sp>
-      <p:sp>
-        <p:nvSpPr>
-          <p:cNvPr id="3" name="Title 2">
-            <a:extLst>
-              <a:ext uri="{FF2B5EF4-FFF2-40B4-BE49-F238E27FC236}">
-                <a16:creationId xmlns:a16="http://schemas.microsoft.com/office/drawing/2014/main" id="{B78711EE-0218-1F46-9869-EE43BF45AE47}"/>
-              </a:ext>
-            </a:extLst>
-          </p:cNvPr>
-          <p:cNvSpPr>
-            <a:spLocks noGrp="1"/>
-          </p:cNvSpPr>
-          <p:nvPr>
-            <p:ph type="title"/>
-          </p:nvPr>
-        </p:nvSpPr>
-        <p:spPr/>
-        <p:txBody>
-          <a:bodyPr>
-            <a:normAutofit/>
-          </a:bodyPr>
-          <a:lstStyle/>
-          <a:p>
-            <a:r>
-              <a:rPr lang="en-US" dirty="0"/>
-              <a:t>Relevant theories of learning</a:t>
-            </a:r>
           </a:p>
         </p:txBody>
       </p:sp>
     </p:spTree>
     <p:extLst>
       <p:ext uri="{BB962C8B-B14F-4D97-AF65-F5344CB8AC3E}">
-        <p14:creationId xmlns:p14="http://schemas.microsoft.com/office/powerpoint/2010/main" val="1304316006"/>
+        <p14:creationId xmlns:p14="http://schemas.microsoft.com/office/powerpoint/2010/main" val="396935775"/>
       </p:ext>
     </p:extLst>
   </p:cSld>
@@ -4431,7 +4478,7 @@
           <p:cNvPr id="2" name="Content Placeholder 1">
             <a:extLst>
               <a:ext uri="{FF2B5EF4-FFF2-40B4-BE49-F238E27FC236}">
-                <a16:creationId xmlns:a16="http://schemas.microsoft.com/office/drawing/2014/main" id="{F87F854A-B9A7-E24B-8478-FC1590C75007}"/>
+                <a16:creationId xmlns:a16="http://schemas.microsoft.com/office/drawing/2014/main" id="{20E4FD6E-DE60-9D4A-802C-072D9603F613}"/>
               </a:ext>
             </a:extLst>
           </p:cNvPr>
@@ -4448,8 +4495,16 @@
           <a:lstStyle/>
           <a:p>
             <a:r>
-              <a:rPr lang="en-US" dirty="0"/>
-              <a:t>In what way(s) does your work inform or enable technological advances for AI in adaptive education?</a:t>
+              <a:rPr lang="en" dirty="0">
+                <a:solidFill>
+                  <a:schemeClr val="dk1"/>
+                </a:solidFill>
+                <a:latin typeface="Arial"/>
+                <a:ea typeface="Arial"/>
+                <a:cs typeface="Arial"/>
+                <a:sym typeface="Arial"/>
+              </a:rPr>
+              <a:t>Brief discussion of relevant theories of learning or other theoretical background/approaches that support your work</a:t>
             </a:r>
           </a:p>
           <a:p>
@@ -4502,6 +4557,17 @@
             </a:endParaRPr>
           </a:p>
           <a:p>
+            <a:endParaRPr lang="en" dirty="0">
+              <a:solidFill>
+                <a:schemeClr val="dk1"/>
+              </a:solidFill>
+              <a:latin typeface="Arial"/>
+              <a:ea typeface="Arial"/>
+              <a:cs typeface="Arial"/>
+              <a:sym typeface="Arial"/>
+            </a:endParaRPr>
+          </a:p>
+          <a:p>
             <a:endParaRPr lang="en-US" dirty="0"/>
           </a:p>
         </p:txBody>
@@ -4511,7 +4577,7 @@
           <p:cNvPr id="3" name="Title 2">
             <a:extLst>
               <a:ext uri="{FF2B5EF4-FFF2-40B4-BE49-F238E27FC236}">
-                <a16:creationId xmlns:a16="http://schemas.microsoft.com/office/drawing/2014/main" id="{A92685B7-DF0D-3C4E-BDAE-AB07502901A0}"/>
+                <a16:creationId xmlns:a16="http://schemas.microsoft.com/office/drawing/2014/main" id="{B78711EE-0218-1F46-9869-EE43BF45AE47}"/>
               </a:ext>
             </a:extLst>
           </p:cNvPr>
@@ -4522,21 +4588,16 @@
             <p:ph type="title"/>
           </p:nvPr>
         </p:nvSpPr>
-        <p:spPr>
-          <a:xfrm>
-            <a:off x="627578" y="376279"/>
-            <a:ext cx="6331161" cy="910362"/>
-          </a:xfrm>
-        </p:spPr>
+        <p:spPr/>
         <p:txBody>
           <a:bodyPr>
-            <a:noAutofit/>
+            <a:normAutofit/>
           </a:bodyPr>
           <a:lstStyle/>
           <a:p>
             <a:r>
               <a:rPr lang="en-US" dirty="0"/>
-              <a:t>Enabling technological advances</a:t>
+              <a:t>Relevant theories of learning</a:t>
             </a:r>
           </a:p>
         </p:txBody>
@@ -4544,7 +4605,7 @@
     </p:spTree>
     <p:extLst>
       <p:ext uri="{BB962C8B-B14F-4D97-AF65-F5344CB8AC3E}">
-        <p14:creationId xmlns:p14="http://schemas.microsoft.com/office/powerpoint/2010/main" val="295670928"/>
+        <p14:creationId xmlns:p14="http://schemas.microsoft.com/office/powerpoint/2010/main" val="1304316006"/>
       </p:ext>
     </p:extLst>
   </p:cSld>
@@ -4576,7 +4637,7 @@
           <p:cNvPr id="2" name="Content Placeholder 1">
             <a:extLst>
               <a:ext uri="{FF2B5EF4-FFF2-40B4-BE49-F238E27FC236}">
-                <a16:creationId xmlns:a16="http://schemas.microsoft.com/office/drawing/2014/main" id="{3D44F45E-2A5B-C745-AE5D-25DC76775D1A}"/>
+                <a16:creationId xmlns:a16="http://schemas.microsoft.com/office/drawing/2014/main" id="{F87F854A-B9A7-E24B-8478-FC1590C75007}"/>
               </a:ext>
             </a:extLst>
           </p:cNvPr>
@@ -4594,20 +4655,10 @@
           <a:p>
             <a:r>
               <a:rPr lang="en-US" dirty="0"/>
-              <a:t>Have you applied your work to real world student learning, student data, or to the design/implementation of adaptive educational systems?</a:t>
-            </a:r>
-          </a:p>
-          <a:p>
-            <a:r>
-              <a:rPr lang="en-US" dirty="0"/>
-              <a:t>Does your work generalize to different systems and/or educational domains?</a:t>
-            </a:r>
-          </a:p>
-          <a:p>
-            <a:r>
-              <a:rPr lang="en-US" i="1" dirty="0"/>
-              <a:t>Design note: this is another design option in case you need a clean slide without graphics to showcase your content. </a:t>
-            </a:r>
+              <a:t>In what way(s) does your work inform or enable technological advances for AI in adaptive education?</a:t>
+            </a:r>
+          </a:p>
+          <a:p>
             <a:r>
               <a:rPr lang="en" i="1" dirty="0">
                 <a:latin typeface="Arial"/>
@@ -4615,14 +4666,49 @@
                 <a:cs typeface="Arial"/>
                 <a:sym typeface="Arial"/>
               </a:rPr>
-              <a:t>We suggest you pick one and stick with it. </a:t>
+              <a:t>Design n</a:t>
+            </a:r>
+            <a:r>
+              <a:rPr lang="en-US" i="1" dirty="0">
+                <a:latin typeface="Arial"/>
+                <a:ea typeface="Arial"/>
+                <a:cs typeface="Arial"/>
+                <a:sym typeface="Arial"/>
+              </a:rPr>
+              <a:t>o</a:t>
+            </a:r>
+            <a:r>
+              <a:rPr lang="en" i="1" dirty="0" err="1">
+                <a:latin typeface="Arial"/>
+                <a:ea typeface="Arial"/>
+                <a:cs typeface="Arial"/>
+                <a:sym typeface="Arial"/>
+              </a:rPr>
+              <a:t>te</a:t>
+            </a:r>
+            <a:r>
+              <a:rPr lang="en" i="1" dirty="0">
+                <a:latin typeface="Arial"/>
+                <a:ea typeface="Arial"/>
+                <a:cs typeface="Arial"/>
+                <a:sym typeface="Arial"/>
+              </a:rPr>
+              <a:t>: this is another design option. We suggest you pick one and stick with it. </a:t>
             </a:r>
           </a:p>
           <a:p>
             <a:pPr marL="0" indent="0">
               <a:buNone/>
             </a:pPr>
-            <a:endParaRPr lang="en-US" i="1" dirty="0"/>
+            <a:endParaRPr lang="en" i="1" dirty="0">
+              <a:latin typeface="Arial"/>
+              <a:ea typeface="Arial"/>
+              <a:cs typeface="Arial"/>
+              <a:sym typeface="Arial"/>
+            </a:endParaRPr>
+          </a:p>
+          <a:p>
+            <a:endParaRPr lang="en-US" dirty="0"/>
           </a:p>
         </p:txBody>
       </p:sp>
@@ -4631,7 +4717,7 @@
           <p:cNvPr id="3" name="Title 2">
             <a:extLst>
               <a:ext uri="{FF2B5EF4-FFF2-40B4-BE49-F238E27FC236}">
-                <a16:creationId xmlns:a16="http://schemas.microsoft.com/office/drawing/2014/main" id="{4536A446-D19F-924A-B462-F4D37EA96789}"/>
+                <a16:creationId xmlns:a16="http://schemas.microsoft.com/office/drawing/2014/main" id="{A92685B7-DF0D-3C4E-BDAE-AB07502901A0}"/>
               </a:ext>
             </a:extLst>
           </p:cNvPr>
@@ -4642,14 +4728,21 @@
             <p:ph type="title"/>
           </p:nvPr>
         </p:nvSpPr>
-        <p:spPr/>
-        <p:txBody>
-          <a:bodyPr/>
+        <p:spPr>
+          <a:xfrm>
+            <a:off x="627578" y="376279"/>
+            <a:ext cx="6331161" cy="910362"/>
+          </a:xfrm>
+        </p:spPr>
+        <p:txBody>
+          <a:bodyPr>
+            <a:noAutofit/>
+          </a:bodyPr>
           <a:lstStyle/>
           <a:p>
             <a:r>
               <a:rPr lang="en-US" dirty="0"/>
-              <a:t>Real world application</a:t>
+              <a:t>Enabling technological advances</a:t>
             </a:r>
           </a:p>
         </p:txBody>
@@ -4657,7 +4750,7 @@
     </p:spTree>
     <p:extLst>
       <p:ext uri="{BB962C8B-B14F-4D97-AF65-F5344CB8AC3E}">
-        <p14:creationId xmlns:p14="http://schemas.microsoft.com/office/powerpoint/2010/main" val="717355689"/>
+        <p14:creationId xmlns:p14="http://schemas.microsoft.com/office/powerpoint/2010/main" val="295670928"/>
       </p:ext>
     </p:extLst>
   </p:cSld>
@@ -4689,7 +4782,7 @@
           <p:cNvPr id="2" name="Content Placeholder 1">
             <a:extLst>
               <a:ext uri="{FF2B5EF4-FFF2-40B4-BE49-F238E27FC236}">
-                <a16:creationId xmlns:a16="http://schemas.microsoft.com/office/drawing/2014/main" id="{20E4FD6E-DE60-9D4A-802C-072D9603F613}"/>
+                <a16:creationId xmlns:a16="http://schemas.microsoft.com/office/drawing/2014/main" id="{3D44F45E-2A5B-C745-AE5D-25DC76775D1A}"/>
               </a:ext>
             </a:extLst>
           </p:cNvPr>
@@ -4716,6 +4809,27 @@
               <a:t>Does your work generalize to different systems and/or educational domains?</a:t>
             </a:r>
           </a:p>
+          <a:p>
+            <a:r>
+              <a:rPr lang="en-US" i="1" dirty="0"/>
+              <a:t>Design note: this is another design option in case you need a clean slide without graphics to showcase your content. </a:t>
+            </a:r>
+            <a:r>
+              <a:rPr lang="en" i="1" dirty="0">
+                <a:latin typeface="Arial"/>
+                <a:ea typeface="Arial"/>
+                <a:cs typeface="Arial"/>
+                <a:sym typeface="Arial"/>
+              </a:rPr>
+              <a:t>We suggest you pick one and stick with it. </a:t>
+            </a:r>
+          </a:p>
+          <a:p>
+            <a:pPr marL="0" indent="0">
+              <a:buNone/>
+            </a:pPr>
+            <a:endParaRPr lang="en-US" i="1" dirty="0"/>
+          </a:p>
         </p:txBody>
       </p:sp>
       <p:sp>
@@ -4723,7 +4837,7 @@
           <p:cNvPr id="3" name="Title 2">
             <a:extLst>
               <a:ext uri="{FF2B5EF4-FFF2-40B4-BE49-F238E27FC236}">
-                <a16:creationId xmlns:a16="http://schemas.microsoft.com/office/drawing/2014/main" id="{B78711EE-0218-1F46-9869-EE43BF45AE47}"/>
+                <a16:creationId xmlns:a16="http://schemas.microsoft.com/office/drawing/2014/main" id="{4536A446-D19F-924A-B462-F4D37EA96789}"/>
               </a:ext>
             </a:extLst>
           </p:cNvPr>
@@ -4749,7 +4863,7 @@
     </p:spTree>
     <p:extLst>
       <p:ext uri="{BB962C8B-B14F-4D97-AF65-F5344CB8AC3E}">
-        <p14:creationId xmlns:p14="http://schemas.microsoft.com/office/powerpoint/2010/main" val="3864166599"/>
+        <p14:creationId xmlns:p14="http://schemas.microsoft.com/office/powerpoint/2010/main" val="717355689"/>
       </p:ext>
     </p:extLst>
   </p:cSld>
@@ -4799,17 +4913,14 @@
           <a:p>
             <a:r>
               <a:rPr lang="en-US" dirty="0"/>
-              <a:t>Describe any evidence to support (or not support) hypothesized impact of your work to student learning or AI in adaptive education</a:t>
+              <a:t>Have you applied your work to real world student learning, student data, or to the design/implementation of adaptive educational systems?</a:t>
             </a:r>
           </a:p>
           <a:p>
             <a:r>
               <a:rPr lang="en-US" dirty="0"/>
-              <a:t>What are the lessons learned? What worked? what didn’t?</a:t>
-            </a:r>
-          </a:p>
-          <a:p>
-            <a:endParaRPr lang="en-US" dirty="0"/>
+              <a:t>Does your work generalize to different systems and/or educational domains?</a:t>
+            </a:r>
           </a:p>
         </p:txBody>
       </p:sp>
@@ -4831,14 +4942,12 @@
         </p:nvSpPr>
         <p:spPr/>
         <p:txBody>
-          <a:bodyPr>
-            <a:normAutofit/>
-          </a:bodyPr>
+          <a:bodyPr/>
           <a:lstStyle/>
           <a:p>
             <a:r>
               <a:rPr lang="en-US" dirty="0"/>
-              <a:t>Evidence of potential impact</a:t>
+              <a:t>Real world application</a:t>
             </a:r>
           </a:p>
         </p:txBody>
@@ -4846,7 +4955,7 @@
     </p:spTree>
     <p:extLst>
       <p:ext uri="{BB962C8B-B14F-4D97-AF65-F5344CB8AC3E}">
-        <p14:creationId xmlns:p14="http://schemas.microsoft.com/office/powerpoint/2010/main" val="649135057"/>
+        <p14:creationId xmlns:p14="http://schemas.microsoft.com/office/powerpoint/2010/main" val="3864166599"/>
       </p:ext>
     </p:extLst>
   </p:cSld>
@@ -4896,14 +5005,17 @@
           <a:p>
             <a:r>
               <a:rPr lang="en-US" dirty="0"/>
-              <a:t>Summarize your conclusion</a:t>
+              <a:t>Describe any evidence to support (or not support) hypothesized impact of your work to student learning or AI in adaptive education</a:t>
             </a:r>
           </a:p>
           <a:p>
             <a:r>
               <a:rPr lang="en-US" dirty="0"/>
-              <a:t>Thoughts to drive discussion </a:t>
-            </a:r>
+              <a:t>What are the lessons learned? What worked? what didn’t?</a:t>
+            </a:r>
+          </a:p>
+          <a:p>
+            <a:endParaRPr lang="en-US" dirty="0"/>
           </a:p>
         </p:txBody>
       </p:sp>
@@ -4925,12 +5037,14 @@
         </p:nvSpPr>
         <p:spPr/>
         <p:txBody>
-          <a:bodyPr/>
+          <a:bodyPr>
+            <a:normAutofit/>
+          </a:bodyPr>
           <a:lstStyle/>
           <a:p>
             <a:r>
               <a:rPr lang="en-US" dirty="0"/>
-              <a:t>Summary</a:t>
+              <a:t>Evidence of potential impact</a:t>
             </a:r>
           </a:p>
         </p:txBody>
@@ -4938,7 +5052,7 @@
     </p:spTree>
     <p:extLst>
       <p:ext uri="{BB962C8B-B14F-4D97-AF65-F5344CB8AC3E}">
-        <p14:creationId xmlns:p14="http://schemas.microsoft.com/office/powerpoint/2010/main" val="3680937543"/>
+        <p14:creationId xmlns:p14="http://schemas.microsoft.com/office/powerpoint/2010/main" val="649135057"/>
       </p:ext>
     </p:extLst>
   </p:cSld>
